--- a/9_Advanced.pptx
+++ b/9_Advanced.pptx
@@ -140,6 +140,11 @@
       </a:defRPr>
     </a:lvl9pPr>
   </p:defaultTextStyle>
+  <p:extLst>
+    <p:ext uri="{EFAFB233-063F-42B5-8137-9DF3F51BA10A}">
+      <p15:sldGuideLst xmlns:p15="http://schemas.microsoft.com/office/powerpoint/2012/main"/>
+    </p:ext>
+  </p:extLst>
 </p:presentation>
 </file>
 
@@ -730,7 +735,7 @@
           <a:p>
             <a:fld id="{BE69AB16-A398-4B01-BC4D-15F9ACD529C5}" type="datetimeFigureOut">
               <a:rPr lang="zh-TW" altLang="en-US" smtClean="0"/>
-              <a:t>2018/1/8</a:t>
+              <a:t>2018/1/9</a:t>
             </a:fld>
             <a:endParaRPr lang="zh-TW" altLang="en-US"/>
           </a:p>
@@ -930,7 +935,7 @@
           <a:p>
             <a:fld id="{BE69AB16-A398-4B01-BC4D-15F9ACD529C5}" type="datetimeFigureOut">
               <a:rPr lang="zh-TW" altLang="en-US" smtClean="0"/>
-              <a:t>2018/1/8</a:t>
+              <a:t>2018/1/9</a:t>
             </a:fld>
             <a:endParaRPr lang="zh-TW" altLang="en-US"/>
           </a:p>
@@ -1140,7 +1145,7 @@
           <a:p>
             <a:fld id="{BE69AB16-A398-4B01-BC4D-15F9ACD529C5}" type="datetimeFigureOut">
               <a:rPr lang="zh-TW" altLang="en-US" smtClean="0"/>
-              <a:t>2018/1/8</a:t>
+              <a:t>2018/1/9</a:t>
             </a:fld>
             <a:endParaRPr lang="zh-TW" altLang="en-US"/>
           </a:p>
@@ -1340,7 +1345,7 @@
           <a:p>
             <a:fld id="{BE69AB16-A398-4B01-BC4D-15F9ACD529C5}" type="datetimeFigureOut">
               <a:rPr lang="zh-TW" altLang="en-US" smtClean="0"/>
-              <a:t>2018/1/8</a:t>
+              <a:t>2018/1/9</a:t>
             </a:fld>
             <a:endParaRPr lang="zh-TW" altLang="en-US"/>
           </a:p>
@@ -1616,7 +1621,7 @@
           <a:p>
             <a:fld id="{BE69AB16-A398-4B01-BC4D-15F9ACD529C5}" type="datetimeFigureOut">
               <a:rPr lang="zh-TW" altLang="en-US" smtClean="0"/>
-              <a:t>2018/1/8</a:t>
+              <a:t>2018/1/9</a:t>
             </a:fld>
             <a:endParaRPr lang="zh-TW" altLang="en-US"/>
           </a:p>
@@ -1884,7 +1889,7 @@
           <a:p>
             <a:fld id="{BE69AB16-A398-4B01-BC4D-15F9ACD529C5}" type="datetimeFigureOut">
               <a:rPr lang="zh-TW" altLang="en-US" smtClean="0"/>
-              <a:t>2018/1/8</a:t>
+              <a:t>2018/1/9</a:t>
             </a:fld>
             <a:endParaRPr lang="zh-TW" altLang="en-US"/>
           </a:p>
@@ -2299,7 +2304,7 @@
           <a:p>
             <a:fld id="{BE69AB16-A398-4B01-BC4D-15F9ACD529C5}" type="datetimeFigureOut">
               <a:rPr lang="zh-TW" altLang="en-US" smtClean="0"/>
-              <a:t>2018/1/8</a:t>
+              <a:t>2018/1/9</a:t>
             </a:fld>
             <a:endParaRPr lang="zh-TW" altLang="en-US"/>
           </a:p>
@@ -2441,7 +2446,7 @@
           <a:p>
             <a:fld id="{BE69AB16-A398-4B01-BC4D-15F9ACD529C5}" type="datetimeFigureOut">
               <a:rPr lang="zh-TW" altLang="en-US" smtClean="0"/>
-              <a:t>2018/1/8</a:t>
+              <a:t>2018/1/9</a:t>
             </a:fld>
             <a:endParaRPr lang="zh-TW" altLang="en-US"/>
           </a:p>
@@ -2554,7 +2559,7 @@
           <a:p>
             <a:fld id="{BE69AB16-A398-4B01-BC4D-15F9ACD529C5}" type="datetimeFigureOut">
               <a:rPr lang="zh-TW" altLang="en-US" smtClean="0"/>
-              <a:t>2018/1/8</a:t>
+              <a:t>2018/1/9</a:t>
             </a:fld>
             <a:endParaRPr lang="zh-TW" altLang="en-US"/>
           </a:p>
@@ -2867,7 +2872,7 @@
           <a:p>
             <a:fld id="{BE69AB16-A398-4B01-BC4D-15F9ACD529C5}" type="datetimeFigureOut">
               <a:rPr lang="zh-TW" altLang="en-US" smtClean="0"/>
-              <a:t>2018/1/8</a:t>
+              <a:t>2018/1/9</a:t>
             </a:fld>
             <a:endParaRPr lang="zh-TW" altLang="en-US"/>
           </a:p>
@@ -3156,7 +3161,7 @@
           <a:p>
             <a:fld id="{BE69AB16-A398-4B01-BC4D-15F9ACD529C5}" type="datetimeFigureOut">
               <a:rPr lang="zh-TW" altLang="en-US" smtClean="0"/>
-              <a:t>2018/1/8</a:t>
+              <a:t>2018/1/9</a:t>
             </a:fld>
             <a:endParaRPr lang="zh-TW" altLang="en-US"/>
           </a:p>
@@ -3399,7 +3404,7 @@
           <a:p>
             <a:fld id="{BE69AB16-A398-4B01-BC4D-15F9ACD529C5}" type="datetimeFigureOut">
               <a:rPr lang="zh-TW" altLang="en-US" smtClean="0"/>
-              <a:t>2018/1/8</a:t>
+              <a:t>2018/1/9</a:t>
             </a:fld>
             <a:endParaRPr lang="zh-TW" altLang="en-US"/>
           </a:p>
@@ -4138,8 +4143,8 @@
           </a:p>
         </p:txBody>
       </p:sp>
-      <mc:AlternateContent xmlns:mc="http://schemas.openxmlformats.org/markup-compatibility/2006">
-        <mc:Choice xmlns:a14="http://schemas.microsoft.com/office/drawing/2010/main" Requires="a14">
+      <mc:AlternateContent xmlns:mc="http://schemas.openxmlformats.org/markup-compatibility/2006" xmlns:a14="http://schemas.microsoft.com/office/drawing/2010/main">
+        <mc:Choice Requires="a14">
           <p:sp>
             <p:nvSpPr>
               <p:cNvPr id="3" name="Content Placeholder 2">
@@ -4250,7 +4255,7 @@
             </p:txBody>
           </p:sp>
         </mc:Choice>
-        <mc:Fallback>
+        <mc:Fallback xmlns="">
           <p:sp>
             <p:nvSpPr>
               <p:cNvPr id="3" name="Content Placeholder 2">
@@ -5051,8 +5056,8 @@
           </a:p>
         </p:txBody>
       </p:sp>
-      <mc:AlternateContent xmlns:mc="http://schemas.openxmlformats.org/markup-compatibility/2006">
-        <mc:Choice xmlns:a14="http://schemas.microsoft.com/office/drawing/2010/main" Requires="a14">
+      <mc:AlternateContent xmlns:mc="http://schemas.openxmlformats.org/markup-compatibility/2006" xmlns:a14="http://schemas.microsoft.com/office/drawing/2010/main">
+        <mc:Choice Requires="a14">
           <p:sp>
             <p:nvSpPr>
               <p:cNvPr id="3" name="Content Placeholder 2">
@@ -5194,7 +5199,7 @@
             </p:txBody>
           </p:sp>
         </mc:Choice>
-        <mc:Fallback>
+        <mc:Fallback xmlns="">
           <p:sp>
             <p:nvSpPr>
               <p:cNvPr id="3" name="Content Placeholder 2">
@@ -5967,8 +5972,8 @@
           </a:p>
         </p:txBody>
       </p:sp>
-      <mc:AlternateContent xmlns:mc="http://schemas.openxmlformats.org/markup-compatibility/2006">
-        <mc:Choice xmlns:a14="http://schemas.microsoft.com/office/drawing/2010/main" Requires="a14">
+      <mc:AlternateContent xmlns:mc="http://schemas.openxmlformats.org/markup-compatibility/2006" xmlns:a14="http://schemas.microsoft.com/office/drawing/2010/main">
+        <mc:Choice Requires="a14">
           <p:sp>
             <p:nvSpPr>
               <p:cNvPr id="3" name="Content Placeholder 2">
@@ -6066,7 +6071,7 @@
             </p:txBody>
           </p:sp>
         </mc:Choice>
-        <mc:Fallback>
+        <mc:Fallback xmlns="">
           <p:sp>
             <p:nvSpPr>
               <p:cNvPr id="3" name="Content Placeholder 2">
@@ -7862,6 +7867,14 @@
           <a:bodyPr/>
           <a:lstStyle/>
           <a:p>
+            <a:r>
+              <a:rPr lang="en-GB" altLang="zh-TW" dirty="0"/>
+              <a:t>https://github.com/kwea123/cpp_data_algo/blob/master</a:t>
+            </a:r>
+            <a:r>
+              <a:rPr lang="en-GB" altLang="zh-TW"/>
+              <a:t>/AdvancedHW</a:t>
+            </a:r>
             <a:endParaRPr lang="zh-TW" altLang="en-US" dirty="0"/>
           </a:p>
         </p:txBody>
@@ -8568,8 +8581,8 @@
           </a:p>
         </p:txBody>
       </p:sp>
-      <mc:AlternateContent xmlns:mc="http://schemas.openxmlformats.org/markup-compatibility/2006">
-        <mc:Choice xmlns:a14="http://schemas.microsoft.com/office/drawing/2010/main" Requires="a14">
+      <mc:AlternateContent xmlns:mc="http://schemas.openxmlformats.org/markup-compatibility/2006" xmlns:a14="http://schemas.microsoft.com/office/drawing/2010/main">
+        <mc:Choice Requires="a14">
           <p:sp>
             <p:nvSpPr>
               <p:cNvPr id="3" name="Content Placeholder 2">
@@ -8740,7 +8753,7 @@
             </p:txBody>
           </p:sp>
         </mc:Choice>
-        <mc:Fallback>
+        <mc:Fallback xmlns="">
           <p:sp>
             <p:nvSpPr>
               <p:cNvPr id="3" name="Content Placeholder 2">

--- a/9_Advanced.pptx
+++ b/9_Advanced.pptx
@@ -5,43 +5,45 @@
     <p:sldMasterId id="2147483648" r:id="rId1"/>
   </p:sldMasterIdLst>
   <p:notesMasterIdLst>
-    <p:notesMasterId r:id="rId36"/>
+    <p:notesMasterId r:id="rId38"/>
   </p:notesMasterIdLst>
   <p:sldIdLst>
     <p:sldId id="256" r:id="rId2"/>
     <p:sldId id="257" r:id="rId3"/>
     <p:sldId id="258" r:id="rId4"/>
-    <p:sldId id="259" r:id="rId5"/>
-    <p:sldId id="260" r:id="rId6"/>
-    <p:sldId id="261" r:id="rId7"/>
-    <p:sldId id="262" r:id="rId8"/>
-    <p:sldId id="263" r:id="rId9"/>
-    <p:sldId id="264" r:id="rId10"/>
-    <p:sldId id="265" r:id="rId11"/>
-    <p:sldId id="266" r:id="rId12"/>
-    <p:sldId id="267" r:id="rId13"/>
-    <p:sldId id="268" r:id="rId14"/>
-    <p:sldId id="269" r:id="rId15"/>
-    <p:sldId id="271" r:id="rId16"/>
-    <p:sldId id="270" r:id="rId17"/>
-    <p:sldId id="273" r:id="rId18"/>
-    <p:sldId id="272" r:id="rId19"/>
-    <p:sldId id="274" r:id="rId20"/>
-    <p:sldId id="275" r:id="rId21"/>
-    <p:sldId id="276" r:id="rId22"/>
-    <p:sldId id="277" r:id="rId23"/>
-    <p:sldId id="279" r:id="rId24"/>
-    <p:sldId id="278" r:id="rId25"/>
-    <p:sldId id="280" r:id="rId26"/>
-    <p:sldId id="285" r:id="rId27"/>
-    <p:sldId id="281" r:id="rId28"/>
-    <p:sldId id="282" r:id="rId29"/>
-    <p:sldId id="283" r:id="rId30"/>
-    <p:sldId id="286" r:id="rId31"/>
-    <p:sldId id="287" r:id="rId32"/>
-    <p:sldId id="289" r:id="rId33"/>
-    <p:sldId id="288" r:id="rId34"/>
-    <p:sldId id="284" r:id="rId35"/>
+    <p:sldId id="290" r:id="rId5"/>
+    <p:sldId id="291" r:id="rId6"/>
+    <p:sldId id="259" r:id="rId7"/>
+    <p:sldId id="260" r:id="rId8"/>
+    <p:sldId id="261" r:id="rId9"/>
+    <p:sldId id="262" r:id="rId10"/>
+    <p:sldId id="263" r:id="rId11"/>
+    <p:sldId id="264" r:id="rId12"/>
+    <p:sldId id="265" r:id="rId13"/>
+    <p:sldId id="266" r:id="rId14"/>
+    <p:sldId id="267" r:id="rId15"/>
+    <p:sldId id="268" r:id="rId16"/>
+    <p:sldId id="269" r:id="rId17"/>
+    <p:sldId id="271" r:id="rId18"/>
+    <p:sldId id="270" r:id="rId19"/>
+    <p:sldId id="273" r:id="rId20"/>
+    <p:sldId id="272" r:id="rId21"/>
+    <p:sldId id="274" r:id="rId22"/>
+    <p:sldId id="275" r:id="rId23"/>
+    <p:sldId id="276" r:id="rId24"/>
+    <p:sldId id="277" r:id="rId25"/>
+    <p:sldId id="279" r:id="rId26"/>
+    <p:sldId id="278" r:id="rId27"/>
+    <p:sldId id="280" r:id="rId28"/>
+    <p:sldId id="285" r:id="rId29"/>
+    <p:sldId id="281" r:id="rId30"/>
+    <p:sldId id="282" r:id="rId31"/>
+    <p:sldId id="283" r:id="rId32"/>
+    <p:sldId id="286" r:id="rId33"/>
+    <p:sldId id="287" r:id="rId34"/>
+    <p:sldId id="289" r:id="rId35"/>
+    <p:sldId id="288" r:id="rId36"/>
+    <p:sldId id="284" r:id="rId37"/>
   </p:sldIdLst>
   <p:sldSz cx="12192000" cy="6858000"/>
   <p:notesSz cx="6858000" cy="9144000"/>
@@ -148,10 +150,6 @@
 </p:presentation>
 </file>
 
-<file path=ppt/revisionInfo.xml><?xml version="1.0" encoding="utf-8"?>
-<p1510:revInfo xmlns:a="http://schemas.openxmlformats.org/drawingml/2006/main" xmlns:r="http://schemas.openxmlformats.org/officeDocument/2006/relationships" xmlns:p1510="http://schemas.microsoft.com/office/powerpoint/2015/10/main"/>
-</file>
-
 <file path=ppt/notesMasters/notesMaster1.xml><?xml version="1.0" encoding="utf-8"?>
 <p:notesMaster xmlns:a="http://schemas.openxmlformats.org/drawingml/2006/main" xmlns:r="http://schemas.openxmlformats.org/officeDocument/2006/relationships" xmlns:p="http://schemas.openxmlformats.org/presentationml/2006/main">
   <p:cSld>
@@ -234,7 +232,7 @@
           <a:p>
             <a:fld id="{60358510-2F64-4650-AAC3-CDF1DBD5A4AD}" type="datetimeFigureOut">
               <a:rPr lang="zh-TW" altLang="en-US" smtClean="0"/>
-              <a:t>2018/1/9</a:t>
+              <a:t>2018/3/4</a:t>
             </a:fld>
             <a:endParaRPr lang="zh-TW" altLang="en-US"/>
           </a:p>
@@ -567,7 +565,7 @@
           <a:p>
             <a:fld id="{209616F4-05EF-4A95-BB3E-2DC7F6EFC20C}" type="slidenum">
               <a:rPr lang="zh-TW" altLang="en-US" smtClean="0"/>
-              <a:t>31</a:t>
+              <a:t>33</a:t>
             </a:fld>
             <a:endParaRPr lang="zh-TW" altLang="en-US"/>
           </a:p>
@@ -735,7 +733,7 @@
           <a:p>
             <a:fld id="{BE69AB16-A398-4B01-BC4D-15F9ACD529C5}" type="datetimeFigureOut">
               <a:rPr lang="zh-TW" altLang="en-US" smtClean="0"/>
-              <a:t>2018/1/9</a:t>
+              <a:t>2018/3/4</a:t>
             </a:fld>
             <a:endParaRPr lang="zh-TW" altLang="en-US"/>
           </a:p>
@@ -935,7 +933,7 @@
           <a:p>
             <a:fld id="{BE69AB16-A398-4B01-BC4D-15F9ACD529C5}" type="datetimeFigureOut">
               <a:rPr lang="zh-TW" altLang="en-US" smtClean="0"/>
-              <a:t>2018/1/9</a:t>
+              <a:t>2018/3/4</a:t>
             </a:fld>
             <a:endParaRPr lang="zh-TW" altLang="en-US"/>
           </a:p>
@@ -1145,7 +1143,7 @@
           <a:p>
             <a:fld id="{BE69AB16-A398-4B01-BC4D-15F9ACD529C5}" type="datetimeFigureOut">
               <a:rPr lang="zh-TW" altLang="en-US" smtClean="0"/>
-              <a:t>2018/1/9</a:t>
+              <a:t>2018/3/4</a:t>
             </a:fld>
             <a:endParaRPr lang="zh-TW" altLang="en-US"/>
           </a:p>
@@ -1345,7 +1343,7 @@
           <a:p>
             <a:fld id="{BE69AB16-A398-4B01-BC4D-15F9ACD529C5}" type="datetimeFigureOut">
               <a:rPr lang="zh-TW" altLang="en-US" smtClean="0"/>
-              <a:t>2018/1/9</a:t>
+              <a:t>2018/3/4</a:t>
             </a:fld>
             <a:endParaRPr lang="zh-TW" altLang="en-US"/>
           </a:p>
@@ -1621,7 +1619,7 @@
           <a:p>
             <a:fld id="{BE69AB16-A398-4B01-BC4D-15F9ACD529C5}" type="datetimeFigureOut">
               <a:rPr lang="zh-TW" altLang="en-US" smtClean="0"/>
-              <a:t>2018/1/9</a:t>
+              <a:t>2018/3/4</a:t>
             </a:fld>
             <a:endParaRPr lang="zh-TW" altLang="en-US"/>
           </a:p>
@@ -1889,7 +1887,7 @@
           <a:p>
             <a:fld id="{BE69AB16-A398-4B01-BC4D-15F9ACD529C5}" type="datetimeFigureOut">
               <a:rPr lang="zh-TW" altLang="en-US" smtClean="0"/>
-              <a:t>2018/1/9</a:t>
+              <a:t>2018/3/4</a:t>
             </a:fld>
             <a:endParaRPr lang="zh-TW" altLang="en-US"/>
           </a:p>
@@ -2304,7 +2302,7 @@
           <a:p>
             <a:fld id="{BE69AB16-A398-4B01-BC4D-15F9ACD529C5}" type="datetimeFigureOut">
               <a:rPr lang="zh-TW" altLang="en-US" smtClean="0"/>
-              <a:t>2018/1/9</a:t>
+              <a:t>2018/3/4</a:t>
             </a:fld>
             <a:endParaRPr lang="zh-TW" altLang="en-US"/>
           </a:p>
@@ -2446,7 +2444,7 @@
           <a:p>
             <a:fld id="{BE69AB16-A398-4B01-BC4D-15F9ACD529C5}" type="datetimeFigureOut">
               <a:rPr lang="zh-TW" altLang="en-US" smtClean="0"/>
-              <a:t>2018/1/9</a:t>
+              <a:t>2018/3/4</a:t>
             </a:fld>
             <a:endParaRPr lang="zh-TW" altLang="en-US"/>
           </a:p>
@@ -2559,7 +2557,7 @@
           <a:p>
             <a:fld id="{BE69AB16-A398-4B01-BC4D-15F9ACD529C5}" type="datetimeFigureOut">
               <a:rPr lang="zh-TW" altLang="en-US" smtClean="0"/>
-              <a:t>2018/1/9</a:t>
+              <a:t>2018/3/4</a:t>
             </a:fld>
             <a:endParaRPr lang="zh-TW" altLang="en-US"/>
           </a:p>
@@ -2872,7 +2870,7 @@
           <a:p>
             <a:fld id="{BE69AB16-A398-4B01-BC4D-15F9ACD529C5}" type="datetimeFigureOut">
               <a:rPr lang="zh-TW" altLang="en-US" smtClean="0"/>
-              <a:t>2018/1/9</a:t>
+              <a:t>2018/3/4</a:t>
             </a:fld>
             <a:endParaRPr lang="zh-TW" altLang="en-US"/>
           </a:p>
@@ -3161,7 +3159,7 @@
           <a:p>
             <a:fld id="{BE69AB16-A398-4B01-BC4D-15F9ACD529C5}" type="datetimeFigureOut">
               <a:rPr lang="zh-TW" altLang="en-US" smtClean="0"/>
-              <a:t>2018/1/9</a:t>
+              <a:t>2018/3/4</a:t>
             </a:fld>
             <a:endParaRPr lang="zh-TW" altLang="en-US"/>
           </a:p>
@@ -3404,7 +3402,7 @@
           <a:p>
             <a:fld id="{BE69AB16-A398-4B01-BC4D-15F9ACD529C5}" type="datetimeFigureOut">
               <a:rPr lang="zh-TW" altLang="en-US" smtClean="0"/>
-              <a:t>2018/1/9</a:t>
+              <a:t>2018/3/4</a:t>
             </a:fld>
             <a:endParaRPr lang="zh-TW" altLang="en-US"/>
           </a:p>
@@ -3910,6 +3908,317 @@
           <p:cNvPr id="2" name="Title 1">
             <a:extLst>
               <a:ext uri="{FF2B5EF4-FFF2-40B4-BE49-F238E27FC236}">
+                <a16:creationId xmlns:a16="http://schemas.microsoft.com/office/drawing/2014/main" id="{5BECA981-4178-437C-92F0-20E4A54B93EE}"/>
+              </a:ext>
+            </a:extLst>
+          </p:cNvPr>
+          <p:cNvSpPr>
+            <a:spLocks noGrp="1"/>
+          </p:cNvSpPr>
+          <p:nvPr>
+            <p:ph type="title"/>
+          </p:nvPr>
+        </p:nvSpPr>
+        <p:spPr/>
+        <p:txBody>
+          <a:bodyPr/>
+          <a:lstStyle/>
+          <a:p>
+            <a:r>
+              <a:rPr lang="en-GB" altLang="zh-TW" dirty="0"/>
+              <a:t>The 1</a:t>
+            </a:r>
+            <a:r>
+              <a:rPr lang="en-GB" altLang="zh-TW" baseline="30000" dirty="0"/>
+              <a:t>st</a:t>
+            </a:r>
+            <a:r>
+              <a:rPr lang="en-GB" altLang="zh-TW" dirty="0"/>
+              <a:t> query : add v balls to a[</a:t>
+            </a:r>
+            <a:r>
+              <a:rPr lang="en-GB" altLang="zh-TW" dirty="0" err="1"/>
+              <a:t>i</a:t>
+            </a:r>
+            <a:r>
+              <a:rPr lang="en-GB" altLang="zh-TW" dirty="0"/>
+              <a:t>]</a:t>
+            </a:r>
+            <a:endParaRPr lang="zh-TW" altLang="en-US" dirty="0"/>
+          </a:p>
+        </p:txBody>
+      </p:sp>
+      <p:sp>
+        <p:nvSpPr>
+          <p:cNvPr id="3" name="Content Placeholder 2">
+            <a:extLst>
+              <a:ext uri="{FF2B5EF4-FFF2-40B4-BE49-F238E27FC236}">
+                <a16:creationId xmlns:a16="http://schemas.microsoft.com/office/drawing/2014/main" id="{966BB85E-CFD3-41DB-B842-72B36BD12C44}"/>
+              </a:ext>
+            </a:extLst>
+          </p:cNvPr>
+          <p:cNvSpPr>
+            <a:spLocks noGrp="1"/>
+          </p:cNvSpPr>
+          <p:nvPr>
+            <p:ph idx="1"/>
+          </p:nvPr>
+        </p:nvSpPr>
+        <p:spPr/>
+        <p:txBody>
+          <a:bodyPr/>
+          <a:lstStyle/>
+          <a:p>
+            <a:r>
+              <a:rPr lang="en-GB" altLang="zh-TW" dirty="0"/>
+              <a:t>Example : 5 = 101</a:t>
+            </a:r>
+          </a:p>
+          <a:p>
+            <a:r>
+              <a:rPr lang="en-GB" altLang="zh-TW" dirty="0"/>
+              <a:t>5 = 101</a:t>
+            </a:r>
+          </a:p>
+          <a:p>
+            <a:r>
+              <a:rPr lang="en-GB" altLang="zh-TW" dirty="0"/>
+              <a:t>6 = 110</a:t>
+            </a:r>
+          </a:p>
+          <a:p>
+            <a:r>
+              <a:rPr lang="en-GB" altLang="zh-TW" dirty="0"/>
+              <a:t>8 = 1000</a:t>
+            </a:r>
+          </a:p>
+          <a:p>
+            <a:r>
+              <a:rPr lang="en-GB" altLang="zh-TW" dirty="0"/>
+              <a:t>16 = 10000</a:t>
+            </a:r>
+          </a:p>
+          <a:p>
+            <a:r>
+              <a:rPr lang="en-GB" altLang="zh-TW" dirty="0"/>
+              <a:t>32 = 100000 (terminates here since 32&gt;N)</a:t>
+            </a:r>
+            <a:endParaRPr lang="zh-TW" altLang="en-US" dirty="0"/>
+          </a:p>
+          <a:p>
+            <a:endParaRPr lang="zh-TW" altLang="en-US" dirty="0"/>
+          </a:p>
+        </p:txBody>
+      </p:sp>
+      <p:pic>
+        <p:nvPicPr>
+          <p:cNvPr id="2052" name="Picture 4" descr="http://community.topcoder.com/i/education/binaryIndexedTrees/bitupdate.gif">
+            <a:extLst>
+              <a:ext uri="{FF2B5EF4-FFF2-40B4-BE49-F238E27FC236}">
+                <a16:creationId xmlns:a16="http://schemas.microsoft.com/office/drawing/2014/main" id="{B4F52FCD-3F48-40D0-8B06-271F4C84A8E4}"/>
+              </a:ext>
+            </a:extLst>
+          </p:cNvPr>
+          <p:cNvPicPr>
+            <a:picLocks noChangeAspect="1" noChangeArrowheads="1"/>
+          </p:cNvPicPr>
+          <p:nvPr/>
+        </p:nvPicPr>
+        <p:blipFill>
+          <a:blip r:embed="rId2">
+            <a:extLst>
+              <a:ext uri="{28A0092B-C50C-407E-A947-70E740481C1C}">
+                <a14:useLocalDpi xmlns:a14="http://schemas.microsoft.com/office/drawing/2010/main" val="0"/>
+              </a:ext>
+            </a:extLst>
+          </a:blip>
+          <a:srcRect/>
+          <a:stretch>
+            <a:fillRect/>
+          </a:stretch>
+        </p:blipFill>
+        <p:spPr bwMode="auto">
+          <a:xfrm>
+            <a:off x="8325974" y="365125"/>
+            <a:ext cx="2886075" cy="6143625"/>
+          </a:xfrm>
+          <a:prstGeom prst="rect">
+            <a:avLst/>
+          </a:prstGeom>
+          <a:noFill/>
+          <a:extLst>
+            <a:ext uri="{909E8E84-426E-40DD-AFC4-6F175D3DCCD1}">
+              <a14:hiddenFill xmlns:a14="http://schemas.microsoft.com/office/drawing/2010/main">
+                <a:solidFill>
+                  <a:srgbClr val="FFFFFF"/>
+                </a:solidFill>
+              </a14:hiddenFill>
+            </a:ext>
+          </a:extLst>
+        </p:spPr>
+      </p:pic>
+    </p:spTree>
+    <p:extLst>
+      <p:ext uri="{BB962C8B-B14F-4D97-AF65-F5344CB8AC3E}">
+        <p14:creationId xmlns:p14="http://schemas.microsoft.com/office/powerpoint/2010/main" val="377220740"/>
+      </p:ext>
+    </p:extLst>
+  </p:cSld>
+  <p:clrMapOvr>
+    <a:masterClrMapping/>
+  </p:clrMapOvr>
+</p:sld>
+</file>
+
+<file path=ppt/slides/slide11.xml><?xml version="1.0" encoding="utf-8"?>
+<p:sld xmlns:a="http://schemas.openxmlformats.org/drawingml/2006/main" xmlns:r="http://schemas.openxmlformats.org/officeDocument/2006/relationships" xmlns:p="http://schemas.openxmlformats.org/presentationml/2006/main">
+  <p:cSld>
+    <p:spTree>
+      <p:nvGrpSpPr>
+        <p:cNvPr id="1" name=""/>
+        <p:cNvGrpSpPr/>
+        <p:nvPr/>
+      </p:nvGrpSpPr>
+      <p:grpSpPr>
+        <a:xfrm>
+          <a:off x="0" y="0"/>
+          <a:ext cx="0" cy="0"/>
+          <a:chOff x="0" y="0"/>
+          <a:chExt cx="0" cy="0"/>
+        </a:xfrm>
+      </p:grpSpPr>
+      <p:sp>
+        <p:nvSpPr>
+          <p:cNvPr id="2" name="Title 1">
+            <a:extLst>
+              <a:ext uri="{FF2B5EF4-FFF2-40B4-BE49-F238E27FC236}">
+                <a16:creationId xmlns:a16="http://schemas.microsoft.com/office/drawing/2014/main" id="{2ABD7856-AFC8-48A2-A76F-F41C50319127}"/>
+              </a:ext>
+            </a:extLst>
+          </p:cNvPr>
+          <p:cNvSpPr>
+            <a:spLocks noGrp="1"/>
+          </p:cNvSpPr>
+          <p:nvPr>
+            <p:ph type="title"/>
+          </p:nvPr>
+        </p:nvSpPr>
+        <p:spPr/>
+        <p:txBody>
+          <a:bodyPr/>
+          <a:lstStyle/>
+          <a:p>
+            <a:r>
+              <a:rPr lang="en-GB" altLang="zh-TW" dirty="0"/>
+              <a:t>How to do this efficiently?</a:t>
+            </a:r>
+            <a:endParaRPr lang="zh-TW" altLang="en-US" dirty="0"/>
+          </a:p>
+        </p:txBody>
+      </p:sp>
+      <p:sp>
+        <p:nvSpPr>
+          <p:cNvPr id="3" name="Content Placeholder 2">
+            <a:extLst>
+              <a:ext uri="{FF2B5EF4-FFF2-40B4-BE49-F238E27FC236}">
+                <a16:creationId xmlns:a16="http://schemas.microsoft.com/office/drawing/2014/main" id="{B717F2F2-F769-4620-8D22-3F18C634BED3}"/>
+              </a:ext>
+            </a:extLst>
+          </p:cNvPr>
+          <p:cNvSpPr>
+            <a:spLocks noGrp="1"/>
+          </p:cNvSpPr>
+          <p:nvPr>
+            <p:ph idx="1"/>
+          </p:nvPr>
+        </p:nvSpPr>
+        <p:spPr/>
+        <p:txBody>
+          <a:bodyPr/>
+          <a:lstStyle/>
+          <a:p>
+            <a:r>
+              <a:rPr lang="en-GB" altLang="zh-TW" dirty="0"/>
+              <a:t>The question we frequently encountered…</a:t>
+            </a:r>
+          </a:p>
+          <a:p>
+            <a:r>
+              <a:rPr lang="en-GB" altLang="zh-TW" dirty="0"/>
+              <a:t>Compute </a:t>
+            </a:r>
+            <a:r>
+              <a:rPr lang="en-GB" altLang="zh-TW" b="1" dirty="0"/>
+              <a:t>r</a:t>
+            </a:r>
+            <a:r>
+              <a:rPr lang="en-GB" altLang="zh-TW" dirty="0"/>
+              <a:t>, the last digit of </a:t>
+            </a:r>
+            <a:r>
+              <a:rPr lang="en-GB" altLang="zh-TW" dirty="0" err="1"/>
+              <a:t>i</a:t>
+            </a:r>
+            <a:r>
+              <a:rPr lang="en-GB" altLang="zh-TW" dirty="0"/>
+              <a:t> that is 1.</a:t>
+            </a:r>
+          </a:p>
+          <a:p>
+            <a:endParaRPr lang="en-GB" altLang="zh-TW" dirty="0"/>
+          </a:p>
+          <a:p>
+            <a:r>
+              <a:rPr lang="en-GB" altLang="zh-TW" dirty="0"/>
+              <a:t>Let n be a number whose binary representation is </a:t>
+            </a:r>
+            <a:r>
+              <a:rPr lang="en-GB" altLang="zh-TW" b="1" dirty="0"/>
+              <a:t>a1b</a:t>
+            </a:r>
+            <a:r>
+              <a:rPr lang="en-GB" altLang="zh-TW" dirty="0"/>
+              <a:t>, where a represents the bits before the last non-zero digit and b=0...0 represents the 0-bits after the last non-zero digit</a:t>
+            </a:r>
+            <a:endParaRPr lang="zh-TW" altLang="en-US" b="1" dirty="0"/>
+          </a:p>
+        </p:txBody>
+      </p:sp>
+    </p:spTree>
+    <p:extLst>
+      <p:ext uri="{BB962C8B-B14F-4D97-AF65-F5344CB8AC3E}">
+        <p14:creationId xmlns:p14="http://schemas.microsoft.com/office/powerpoint/2010/main" val="1876551684"/>
+      </p:ext>
+    </p:extLst>
+  </p:cSld>
+  <p:clrMapOvr>
+    <a:masterClrMapping/>
+  </p:clrMapOvr>
+</p:sld>
+</file>
+
+<file path=ppt/slides/slide12.xml><?xml version="1.0" encoding="utf-8"?>
+<p:sld xmlns:a="http://schemas.openxmlformats.org/drawingml/2006/main" xmlns:r="http://schemas.openxmlformats.org/officeDocument/2006/relationships" xmlns:p="http://schemas.openxmlformats.org/presentationml/2006/main">
+  <p:cSld>
+    <p:spTree>
+      <p:nvGrpSpPr>
+        <p:cNvPr id="1" name=""/>
+        <p:cNvGrpSpPr/>
+        <p:nvPr/>
+      </p:nvGrpSpPr>
+      <p:grpSpPr>
+        <a:xfrm>
+          <a:off x="0" y="0"/>
+          <a:ext cx="0" cy="0"/>
+          <a:chOff x="0" y="0"/>
+          <a:chExt cx="0" cy="0"/>
+        </a:xfrm>
+      </p:grpSpPr>
+      <p:sp>
+        <p:nvSpPr>
+          <p:cNvPr id="2" name="Title 1">
+            <a:extLst>
+              <a:ext uri="{FF2B5EF4-FFF2-40B4-BE49-F238E27FC236}">
                 <a16:creationId xmlns:a16="http://schemas.microsoft.com/office/drawing/2014/main" id="{4F4DD604-D0F4-4712-9101-B97EFE1F798B}"/>
               </a:ext>
             </a:extLst>
@@ -4101,7 +4410,7 @@
 </p:sld>
 </file>
 
-<file path=ppt/slides/slide11.xml><?xml version="1.0" encoding="utf-8"?>
+<file path=ppt/slides/slide13.xml><?xml version="1.0" encoding="utf-8"?>
 <p:sld xmlns:a="http://schemas.openxmlformats.org/drawingml/2006/main" xmlns:r="http://schemas.openxmlformats.org/officeDocument/2006/relationships" xmlns:p="http://schemas.openxmlformats.org/presentationml/2006/main">
   <p:cSld>
     <p:spTree>
@@ -4308,7 +4617,7 @@
 </p:sld>
 </file>
 
-<file path=ppt/slides/slide12.xml><?xml version="1.0" encoding="utf-8"?>
+<file path=ppt/slides/slide14.xml><?xml version="1.0" encoding="utf-8"?>
 <p:sld xmlns:a="http://schemas.openxmlformats.org/drawingml/2006/main" xmlns:r="http://schemas.openxmlformats.org/officeDocument/2006/relationships" xmlns:p="http://schemas.openxmlformats.org/presentationml/2006/main">
   <p:cSld>
     <p:spTree>
@@ -4456,7 +4765,7 @@
 </p:sld>
 </file>
 
-<file path=ppt/slides/slide13.xml><?xml version="1.0" encoding="utf-8"?>
+<file path=ppt/slides/slide15.xml><?xml version="1.0" encoding="utf-8"?>
 <p:sld xmlns:a="http://schemas.openxmlformats.org/drawingml/2006/main" xmlns:r="http://schemas.openxmlformats.org/officeDocument/2006/relationships" xmlns:p="http://schemas.openxmlformats.org/presentationml/2006/main">
   <p:cSld>
     <p:spTree>
@@ -4631,7 +4940,7 @@
 </p:sld>
 </file>
 
-<file path=ppt/slides/slide14.xml><?xml version="1.0" encoding="utf-8"?>
+<file path=ppt/slides/slide16.xml><?xml version="1.0" encoding="utf-8"?>
 <p:sld xmlns:a="http://schemas.openxmlformats.org/drawingml/2006/main" xmlns:r="http://schemas.openxmlformats.org/officeDocument/2006/relationships" xmlns:p="http://schemas.openxmlformats.org/presentationml/2006/main">
   <p:cSld>
     <p:spTree>
@@ -4830,7 +5139,7 @@
 </p:sld>
 </file>
 
-<file path=ppt/slides/slide15.xml><?xml version="1.0" encoding="utf-8"?>
+<file path=ppt/slides/slide17.xml><?xml version="1.0" encoding="utf-8"?>
 <p:sld xmlns:a="http://schemas.openxmlformats.org/drawingml/2006/main" xmlns:r="http://schemas.openxmlformats.org/officeDocument/2006/relationships" xmlns:p="http://schemas.openxmlformats.org/presentationml/2006/main">
   <p:cSld>
     <p:spTree>
@@ -4926,7 +5235,7 @@
 </p:sld>
 </file>
 
-<file path=ppt/slides/slide16.xml><?xml version="1.0" encoding="utf-8"?>
+<file path=ppt/slides/slide18.xml><?xml version="1.0" encoding="utf-8"?>
 <p:sld xmlns:a="http://schemas.openxmlformats.org/drawingml/2006/main" xmlns:r="http://schemas.openxmlformats.org/officeDocument/2006/relationships" xmlns:p="http://schemas.openxmlformats.org/presentationml/2006/main">
   <p:cSld>
     <p:spTree>
@@ -5010,7 +5319,7 @@
 </p:sld>
 </file>
 
-<file path=ppt/slides/slide17.xml><?xml version="1.0" encoding="utf-8"?>
+<file path=ppt/slides/slide19.xml><?xml version="1.0" encoding="utf-8"?>
 <p:sld xmlns:a="http://schemas.openxmlformats.org/drawingml/2006/main" xmlns:r="http://schemas.openxmlformats.org/officeDocument/2006/relationships" xmlns:p="http://schemas.openxmlformats.org/presentationml/2006/main">
   <p:cSld>
     <p:spTree>
@@ -5252,7 +5561,104 @@
 </p:sld>
 </file>
 
-<file path=ppt/slides/slide18.xml><?xml version="1.0" encoding="utf-8"?>
+<file path=ppt/slides/slide2.xml><?xml version="1.0" encoding="utf-8"?>
+<p:sld xmlns:a="http://schemas.openxmlformats.org/drawingml/2006/main" xmlns:r="http://schemas.openxmlformats.org/officeDocument/2006/relationships" xmlns:p="http://schemas.openxmlformats.org/presentationml/2006/main">
+  <p:cSld>
+    <p:spTree>
+      <p:nvGrpSpPr>
+        <p:cNvPr id="1" name=""/>
+        <p:cNvGrpSpPr/>
+        <p:nvPr/>
+      </p:nvGrpSpPr>
+      <p:grpSpPr>
+        <a:xfrm>
+          <a:off x="0" y="0"/>
+          <a:ext cx="0" cy="0"/>
+          <a:chOff x="0" y="0"/>
+          <a:chExt cx="0" cy="0"/>
+        </a:xfrm>
+      </p:grpSpPr>
+      <p:sp>
+        <p:nvSpPr>
+          <p:cNvPr id="2" name="Title 1">
+            <a:extLst>
+              <a:ext uri="{FF2B5EF4-FFF2-40B4-BE49-F238E27FC236}">
+                <a16:creationId xmlns:a16="http://schemas.microsoft.com/office/drawing/2014/main" id="{E9FFE4FC-9DD1-4E0F-955C-FD403215F3FE}"/>
+              </a:ext>
+            </a:extLst>
+          </p:cNvPr>
+          <p:cNvSpPr>
+            <a:spLocks noGrp="1"/>
+          </p:cNvSpPr>
+          <p:nvPr>
+            <p:ph type="title"/>
+          </p:nvPr>
+        </p:nvSpPr>
+        <p:spPr/>
+        <p:txBody>
+          <a:bodyPr/>
+          <a:lstStyle/>
+          <a:p>
+            <a:r>
+              <a:rPr lang="en-GB" altLang="zh-TW" dirty="0"/>
+              <a:t>Binary indexed tree</a:t>
+            </a:r>
+            <a:endParaRPr lang="zh-TW" altLang="en-US" dirty="0"/>
+          </a:p>
+        </p:txBody>
+      </p:sp>
+      <p:sp>
+        <p:nvSpPr>
+          <p:cNvPr id="3" name="Content Placeholder 2">
+            <a:extLst>
+              <a:ext uri="{FF2B5EF4-FFF2-40B4-BE49-F238E27FC236}">
+                <a16:creationId xmlns:a16="http://schemas.microsoft.com/office/drawing/2014/main" id="{5A48DDD0-EF92-4802-AF36-B3C9F9FDC06B}"/>
+              </a:ext>
+            </a:extLst>
+          </p:cNvPr>
+          <p:cNvSpPr>
+            <a:spLocks noGrp="1"/>
+          </p:cNvSpPr>
+          <p:nvPr>
+            <p:ph idx="1"/>
+          </p:nvPr>
+        </p:nvSpPr>
+        <p:spPr/>
+        <p:txBody>
+          <a:bodyPr/>
+          <a:lstStyle/>
+          <a:p>
+            <a:r>
+              <a:rPr lang="en-GB" altLang="zh-TW" dirty="0"/>
+              <a:t>Fenwick tree/Segment tree</a:t>
+            </a:r>
+          </a:p>
+          <a:p>
+            <a:endParaRPr lang="en-GB" altLang="zh-TW" dirty="0"/>
+          </a:p>
+          <a:p>
+            <a:r>
+              <a:rPr lang="en-GB" altLang="zh-TW" dirty="0"/>
+              <a:t>Efficient data structure for computing cumulative sums</a:t>
+            </a:r>
+            <a:endParaRPr lang="zh-TW" altLang="en-US" dirty="0"/>
+          </a:p>
+        </p:txBody>
+      </p:sp>
+    </p:spTree>
+    <p:extLst>
+      <p:ext uri="{BB962C8B-B14F-4D97-AF65-F5344CB8AC3E}">
+        <p14:creationId xmlns:p14="http://schemas.microsoft.com/office/powerpoint/2010/main" val="1692650993"/>
+      </p:ext>
+    </p:extLst>
+  </p:cSld>
+  <p:clrMapOvr>
+    <a:masterClrMapping/>
+  </p:clrMapOvr>
+</p:sld>
+</file>
+
+<file path=ppt/slides/slide20.xml><?xml version="1.0" encoding="utf-8"?>
 <p:sld xmlns:a="http://schemas.openxmlformats.org/drawingml/2006/main" xmlns:r="http://schemas.openxmlformats.org/officeDocument/2006/relationships" xmlns:p="http://schemas.openxmlformats.org/presentationml/2006/main">
   <p:cSld>
     <p:spTree>
@@ -5452,7 +5858,7 @@
 </p:sld>
 </file>
 
-<file path=ppt/slides/slide19.xml><?xml version="1.0" encoding="utf-8"?>
+<file path=ppt/slides/slide21.xml><?xml version="1.0" encoding="utf-8"?>
 <p:sld xmlns:a="http://schemas.openxmlformats.org/drawingml/2006/main" xmlns:r="http://schemas.openxmlformats.org/officeDocument/2006/relationships" xmlns:p="http://schemas.openxmlformats.org/presentationml/2006/main">
   <p:cSld>
     <p:spTree>
@@ -5692,104 +6098,7 @@
 </p:sld>
 </file>
 
-<file path=ppt/slides/slide2.xml><?xml version="1.0" encoding="utf-8"?>
-<p:sld xmlns:a="http://schemas.openxmlformats.org/drawingml/2006/main" xmlns:r="http://schemas.openxmlformats.org/officeDocument/2006/relationships" xmlns:p="http://schemas.openxmlformats.org/presentationml/2006/main">
-  <p:cSld>
-    <p:spTree>
-      <p:nvGrpSpPr>
-        <p:cNvPr id="1" name=""/>
-        <p:cNvGrpSpPr/>
-        <p:nvPr/>
-      </p:nvGrpSpPr>
-      <p:grpSpPr>
-        <a:xfrm>
-          <a:off x="0" y="0"/>
-          <a:ext cx="0" cy="0"/>
-          <a:chOff x="0" y="0"/>
-          <a:chExt cx="0" cy="0"/>
-        </a:xfrm>
-      </p:grpSpPr>
-      <p:sp>
-        <p:nvSpPr>
-          <p:cNvPr id="2" name="Title 1">
-            <a:extLst>
-              <a:ext uri="{FF2B5EF4-FFF2-40B4-BE49-F238E27FC236}">
-                <a16:creationId xmlns:a16="http://schemas.microsoft.com/office/drawing/2014/main" id="{E9FFE4FC-9DD1-4E0F-955C-FD403215F3FE}"/>
-              </a:ext>
-            </a:extLst>
-          </p:cNvPr>
-          <p:cNvSpPr>
-            <a:spLocks noGrp="1"/>
-          </p:cNvSpPr>
-          <p:nvPr>
-            <p:ph type="title"/>
-          </p:nvPr>
-        </p:nvSpPr>
-        <p:spPr/>
-        <p:txBody>
-          <a:bodyPr/>
-          <a:lstStyle/>
-          <a:p>
-            <a:r>
-              <a:rPr lang="en-GB" altLang="zh-TW" dirty="0"/>
-              <a:t>Binary indexed tree</a:t>
-            </a:r>
-            <a:endParaRPr lang="zh-TW" altLang="en-US" dirty="0"/>
-          </a:p>
-        </p:txBody>
-      </p:sp>
-      <p:sp>
-        <p:nvSpPr>
-          <p:cNvPr id="3" name="Content Placeholder 2">
-            <a:extLst>
-              <a:ext uri="{FF2B5EF4-FFF2-40B4-BE49-F238E27FC236}">
-                <a16:creationId xmlns:a16="http://schemas.microsoft.com/office/drawing/2014/main" id="{5A48DDD0-EF92-4802-AF36-B3C9F9FDC06B}"/>
-              </a:ext>
-            </a:extLst>
-          </p:cNvPr>
-          <p:cNvSpPr>
-            <a:spLocks noGrp="1"/>
-          </p:cNvSpPr>
-          <p:nvPr>
-            <p:ph idx="1"/>
-          </p:nvPr>
-        </p:nvSpPr>
-        <p:spPr/>
-        <p:txBody>
-          <a:bodyPr/>
-          <a:lstStyle/>
-          <a:p>
-            <a:r>
-              <a:rPr lang="en-GB" altLang="zh-TW" dirty="0"/>
-              <a:t>Fenwick tree/Segment tree</a:t>
-            </a:r>
-          </a:p>
-          <a:p>
-            <a:endParaRPr lang="en-GB" altLang="zh-TW" dirty="0"/>
-          </a:p>
-          <a:p>
-            <a:r>
-              <a:rPr lang="en-GB" altLang="zh-TW" dirty="0"/>
-              <a:t>Efficient data structure for computing cumulative sums</a:t>
-            </a:r>
-            <a:endParaRPr lang="zh-TW" altLang="en-US" dirty="0"/>
-          </a:p>
-        </p:txBody>
-      </p:sp>
-    </p:spTree>
-    <p:extLst>
-      <p:ext uri="{BB962C8B-B14F-4D97-AF65-F5344CB8AC3E}">
-        <p14:creationId xmlns:p14="http://schemas.microsoft.com/office/powerpoint/2010/main" val="1692650993"/>
-      </p:ext>
-    </p:extLst>
-  </p:cSld>
-  <p:clrMapOvr>
-    <a:masterClrMapping/>
-  </p:clrMapOvr>
-</p:sld>
-</file>
-
-<file path=ppt/slides/slide20.xml><?xml version="1.0" encoding="utf-8"?>
+<file path=ppt/slides/slide22.xml><?xml version="1.0" encoding="utf-8"?>
 <p:sld xmlns:a="http://schemas.openxmlformats.org/drawingml/2006/main" xmlns:r="http://schemas.openxmlformats.org/officeDocument/2006/relationships" xmlns:p="http://schemas.openxmlformats.org/presentationml/2006/main">
   <p:cSld>
     <p:spTree>
@@ -5930,7 +6239,7 @@
 </p:sld>
 </file>
 
-<file path=ppt/slides/slide21.xml><?xml version="1.0" encoding="utf-8"?>
+<file path=ppt/slides/slide23.xml><?xml version="1.0" encoding="utf-8"?>
 <p:sld xmlns:a="http://schemas.openxmlformats.org/drawingml/2006/main" xmlns:r="http://schemas.openxmlformats.org/officeDocument/2006/relationships" xmlns:p="http://schemas.openxmlformats.org/presentationml/2006/main">
   <p:cSld>
     <p:spTree>
@@ -6124,7 +6433,7 @@
 </p:sld>
 </file>
 
-<file path=ppt/slides/slide22.xml><?xml version="1.0" encoding="utf-8"?>
+<file path=ppt/slides/slide24.xml><?xml version="1.0" encoding="utf-8"?>
 <p:sld xmlns:a="http://schemas.openxmlformats.org/drawingml/2006/main" xmlns:r="http://schemas.openxmlformats.org/officeDocument/2006/relationships" xmlns:p="http://schemas.openxmlformats.org/presentationml/2006/main">
   <p:cSld>
     <p:spTree>
@@ -6273,7 +6582,7 @@
 </p:sld>
 </file>
 
-<file path=ppt/slides/slide23.xml><?xml version="1.0" encoding="utf-8"?>
+<file path=ppt/slides/slide25.xml><?xml version="1.0" encoding="utf-8"?>
 <p:sld xmlns:a="http://schemas.openxmlformats.org/drawingml/2006/main" xmlns:r="http://schemas.openxmlformats.org/officeDocument/2006/relationships" xmlns:p="http://schemas.openxmlformats.org/presentationml/2006/main">
   <p:cSld>
     <p:spTree>
@@ -6408,7 +6717,7 @@
 </p:sld>
 </file>
 
-<file path=ppt/slides/slide24.xml><?xml version="1.0" encoding="utf-8"?>
+<file path=ppt/slides/slide26.xml><?xml version="1.0" encoding="utf-8"?>
 <p:sld xmlns:a="http://schemas.openxmlformats.org/drawingml/2006/main" xmlns:r="http://schemas.openxmlformats.org/officeDocument/2006/relationships" xmlns:p="http://schemas.openxmlformats.org/presentationml/2006/main">
   <p:cSld>
     <p:spTree>
@@ -6492,7 +6801,7 @@
 </p:sld>
 </file>
 
-<file path=ppt/slides/slide25.xml><?xml version="1.0" encoding="utf-8"?>
+<file path=ppt/slides/slide27.xml><?xml version="1.0" encoding="utf-8"?>
 <p:sld xmlns:a="http://schemas.openxmlformats.org/drawingml/2006/main" xmlns:r="http://schemas.openxmlformats.org/officeDocument/2006/relationships" xmlns:p="http://schemas.openxmlformats.org/presentationml/2006/main">
   <p:cSld>
     <p:spTree>
@@ -6631,7 +6940,7 @@
 </p:sld>
 </file>
 
-<file path=ppt/slides/slide26.xml><?xml version="1.0" encoding="utf-8"?>
+<file path=ppt/slides/slide28.xml><?xml version="1.0" encoding="utf-8"?>
 <p:sld xmlns:a="http://schemas.openxmlformats.org/drawingml/2006/main" xmlns:r="http://schemas.openxmlformats.org/officeDocument/2006/relationships" xmlns:p="http://schemas.openxmlformats.org/presentationml/2006/main">
   <p:cSld>
     <p:spTree>
@@ -6789,7 +7098,7 @@
 </p:sld>
 </file>
 
-<file path=ppt/slides/slide27.xml><?xml version="1.0" encoding="utf-8"?>
+<file path=ppt/slides/slide29.xml><?xml version="1.0" encoding="utf-8"?>
 <p:sld xmlns:a="http://schemas.openxmlformats.org/drawingml/2006/main" xmlns:r="http://schemas.openxmlformats.org/officeDocument/2006/relationships" xmlns:p="http://schemas.openxmlformats.org/presentationml/2006/main">
   <p:cSld>
     <p:spTree>
@@ -6968,7 +7277,133 @@
 </p:sld>
 </file>
 
-<file path=ppt/slides/slide28.xml><?xml version="1.0" encoding="utf-8"?>
+<file path=ppt/slides/slide3.xml><?xml version="1.0" encoding="utf-8"?>
+<p:sld xmlns:a="http://schemas.openxmlformats.org/drawingml/2006/main" xmlns:r="http://schemas.openxmlformats.org/officeDocument/2006/relationships" xmlns:p="http://schemas.openxmlformats.org/presentationml/2006/main">
+  <p:cSld>
+    <p:spTree>
+      <p:nvGrpSpPr>
+        <p:cNvPr id="1" name=""/>
+        <p:cNvGrpSpPr/>
+        <p:nvPr/>
+      </p:nvGrpSpPr>
+      <p:grpSpPr>
+        <a:xfrm>
+          <a:off x="0" y="0"/>
+          <a:ext cx="0" cy="0"/>
+          <a:chOff x="0" y="0"/>
+          <a:chExt cx="0" cy="0"/>
+        </a:xfrm>
+      </p:grpSpPr>
+      <p:sp>
+        <p:nvSpPr>
+          <p:cNvPr id="2" name="Title 1">
+            <a:extLst>
+              <a:ext uri="{FF2B5EF4-FFF2-40B4-BE49-F238E27FC236}">
+                <a16:creationId xmlns:a16="http://schemas.microsoft.com/office/drawing/2014/main" id="{EC2307DC-BE83-4B8B-A191-B79E250F1B4B}"/>
+              </a:ext>
+            </a:extLst>
+          </p:cNvPr>
+          <p:cNvSpPr>
+            <a:spLocks noGrp="1"/>
+          </p:cNvSpPr>
+          <p:nvPr>
+            <p:ph type="title"/>
+          </p:nvPr>
+        </p:nvSpPr>
+        <p:spPr/>
+        <p:txBody>
+          <a:bodyPr/>
+          <a:lstStyle/>
+          <a:p>
+            <a:r>
+              <a:rPr lang="en-GB" altLang="zh-TW" dirty="0"/>
+              <a:t>Problem</a:t>
+            </a:r>
+            <a:endParaRPr lang="zh-TW" altLang="en-US" dirty="0"/>
+          </a:p>
+        </p:txBody>
+      </p:sp>
+      <p:sp>
+        <p:nvSpPr>
+          <p:cNvPr id="3" name="Content Placeholder 2">
+            <a:extLst>
+              <a:ext uri="{FF2B5EF4-FFF2-40B4-BE49-F238E27FC236}">
+                <a16:creationId xmlns:a16="http://schemas.microsoft.com/office/drawing/2014/main" id="{35848AB8-ACE3-4188-9A84-E375AD5C0635}"/>
+              </a:ext>
+            </a:extLst>
+          </p:cNvPr>
+          <p:cNvSpPr>
+            <a:spLocks noGrp="1"/>
+          </p:cNvSpPr>
+          <p:nvPr>
+            <p:ph idx="1"/>
+          </p:nvPr>
+        </p:nvSpPr>
+        <p:spPr/>
+        <p:txBody>
+          <a:bodyPr/>
+          <a:lstStyle/>
+          <a:p>
+            <a:r>
+              <a:rPr lang="en-GB" altLang="zh-TW" dirty="0"/>
+              <a:t>We have N boxes, a[1..N]</a:t>
+            </a:r>
+          </a:p>
+          <a:p>
+            <a:r>
+              <a:rPr lang="en-GB" altLang="zh-TW" dirty="0"/>
+              <a:t>Possible queries are:</a:t>
+            </a:r>
+          </a:p>
+          <a:p>
+            <a:pPr lvl="1"/>
+            <a:r>
+              <a:rPr lang="en-GB" altLang="zh-TW" dirty="0"/>
+              <a:t>Add v balls to a[</a:t>
+            </a:r>
+            <a:r>
+              <a:rPr lang="en-GB" altLang="zh-TW" dirty="0" err="1"/>
+              <a:t>i</a:t>
+            </a:r>
+            <a:r>
+              <a:rPr lang="en-GB" altLang="zh-TW" dirty="0"/>
+              <a:t>]</a:t>
+            </a:r>
+          </a:p>
+          <a:p>
+            <a:pPr lvl="1"/>
+            <a:r>
+              <a:rPr lang="en-GB" altLang="zh-TW" dirty="0"/>
+              <a:t>Sum balls from a[l] to a[r]</a:t>
+            </a:r>
+          </a:p>
+          <a:p>
+            <a:pPr lvl="1"/>
+            <a:endParaRPr lang="en-GB" altLang="zh-TW" dirty="0"/>
+          </a:p>
+          <a:p>
+            <a:r>
+              <a:rPr lang="en-GB" altLang="zh-TW" dirty="0"/>
+              <a:t>Naïve solution : &lt;O(1), O(N)&gt;</a:t>
+            </a:r>
+            <a:endParaRPr lang="zh-TW" altLang="en-US" dirty="0"/>
+          </a:p>
+        </p:txBody>
+      </p:sp>
+    </p:spTree>
+    <p:extLst>
+      <p:ext uri="{BB962C8B-B14F-4D97-AF65-F5344CB8AC3E}">
+        <p14:creationId xmlns:p14="http://schemas.microsoft.com/office/powerpoint/2010/main" val="2385312388"/>
+      </p:ext>
+    </p:extLst>
+  </p:cSld>
+  <p:clrMapOvr>
+    <a:masterClrMapping/>
+  </p:clrMapOvr>
+</p:sld>
+</file>
+
+<file path=ppt/slides/slide30.xml><?xml version="1.0" encoding="utf-8"?>
 <p:sld xmlns:a="http://schemas.openxmlformats.org/drawingml/2006/main" xmlns:r="http://schemas.openxmlformats.org/officeDocument/2006/relationships" xmlns:p="http://schemas.openxmlformats.org/presentationml/2006/main">
   <p:cSld>
     <p:spTree>
@@ -7121,7 +7556,7 @@
 </p:sld>
 </file>
 
-<file path=ppt/slides/slide29.xml><?xml version="1.0" encoding="utf-8"?>
+<file path=ppt/slides/slide31.xml><?xml version="1.0" encoding="utf-8"?>
 <p:sld xmlns:a="http://schemas.openxmlformats.org/drawingml/2006/main" xmlns:r="http://schemas.openxmlformats.org/officeDocument/2006/relationships" xmlns:p="http://schemas.openxmlformats.org/presentationml/2006/main">
   <p:cSld>
     <p:spTree>
@@ -7205,7 +7640,7 @@
 </p:sld>
 </file>
 
-<file path=ppt/slides/slide3.xml><?xml version="1.0" encoding="utf-8"?>
+<file path=ppt/slides/slide32.xml><?xml version="1.0" encoding="utf-8"?>
 <p:sld xmlns:a="http://schemas.openxmlformats.org/drawingml/2006/main" xmlns:r="http://schemas.openxmlformats.org/officeDocument/2006/relationships" xmlns:p="http://schemas.openxmlformats.org/presentationml/2006/main">
   <p:cSld>
     <p:spTree>
@@ -7227,132 +7662,6 @@
           <p:cNvPr id="2" name="Title 1">
             <a:extLst>
               <a:ext uri="{FF2B5EF4-FFF2-40B4-BE49-F238E27FC236}">
-                <a16:creationId xmlns:a16="http://schemas.microsoft.com/office/drawing/2014/main" id="{EC2307DC-BE83-4B8B-A191-B79E250F1B4B}"/>
-              </a:ext>
-            </a:extLst>
-          </p:cNvPr>
-          <p:cNvSpPr>
-            <a:spLocks noGrp="1"/>
-          </p:cNvSpPr>
-          <p:nvPr>
-            <p:ph type="title"/>
-          </p:nvPr>
-        </p:nvSpPr>
-        <p:spPr/>
-        <p:txBody>
-          <a:bodyPr/>
-          <a:lstStyle/>
-          <a:p>
-            <a:r>
-              <a:rPr lang="en-GB" altLang="zh-TW" dirty="0"/>
-              <a:t>Problem</a:t>
-            </a:r>
-            <a:endParaRPr lang="zh-TW" altLang="en-US" dirty="0"/>
-          </a:p>
-        </p:txBody>
-      </p:sp>
-      <p:sp>
-        <p:nvSpPr>
-          <p:cNvPr id="3" name="Content Placeholder 2">
-            <a:extLst>
-              <a:ext uri="{FF2B5EF4-FFF2-40B4-BE49-F238E27FC236}">
-                <a16:creationId xmlns:a16="http://schemas.microsoft.com/office/drawing/2014/main" id="{35848AB8-ACE3-4188-9A84-E375AD5C0635}"/>
-              </a:ext>
-            </a:extLst>
-          </p:cNvPr>
-          <p:cNvSpPr>
-            <a:spLocks noGrp="1"/>
-          </p:cNvSpPr>
-          <p:nvPr>
-            <p:ph idx="1"/>
-          </p:nvPr>
-        </p:nvSpPr>
-        <p:spPr/>
-        <p:txBody>
-          <a:bodyPr/>
-          <a:lstStyle/>
-          <a:p>
-            <a:r>
-              <a:rPr lang="en-GB" altLang="zh-TW" dirty="0"/>
-              <a:t>We have N boxes, a[1..N]</a:t>
-            </a:r>
-          </a:p>
-          <a:p>
-            <a:r>
-              <a:rPr lang="en-GB" altLang="zh-TW" dirty="0"/>
-              <a:t>Possible queries are:</a:t>
-            </a:r>
-          </a:p>
-          <a:p>
-            <a:pPr lvl="1"/>
-            <a:r>
-              <a:rPr lang="en-GB" altLang="zh-TW" dirty="0"/>
-              <a:t>Add v balls to a[</a:t>
-            </a:r>
-            <a:r>
-              <a:rPr lang="en-GB" altLang="zh-TW" dirty="0" err="1"/>
-              <a:t>i</a:t>
-            </a:r>
-            <a:r>
-              <a:rPr lang="en-GB" altLang="zh-TW" dirty="0"/>
-              <a:t>]</a:t>
-            </a:r>
-          </a:p>
-          <a:p>
-            <a:pPr lvl="1"/>
-            <a:r>
-              <a:rPr lang="en-GB" altLang="zh-TW" dirty="0"/>
-              <a:t>Sum balls from a[l] to a[r]</a:t>
-            </a:r>
-          </a:p>
-          <a:p>
-            <a:pPr lvl="1"/>
-            <a:endParaRPr lang="en-GB" altLang="zh-TW" dirty="0"/>
-          </a:p>
-          <a:p>
-            <a:r>
-              <a:rPr lang="en-GB" altLang="zh-TW" dirty="0"/>
-              <a:t>Naïve solution : &lt;O(1), O(N)&gt;</a:t>
-            </a:r>
-            <a:endParaRPr lang="zh-TW" altLang="en-US" dirty="0"/>
-          </a:p>
-        </p:txBody>
-      </p:sp>
-    </p:spTree>
-    <p:extLst>
-      <p:ext uri="{BB962C8B-B14F-4D97-AF65-F5344CB8AC3E}">
-        <p14:creationId xmlns:p14="http://schemas.microsoft.com/office/powerpoint/2010/main" val="2385312388"/>
-      </p:ext>
-    </p:extLst>
-  </p:cSld>
-  <p:clrMapOvr>
-    <a:masterClrMapping/>
-  </p:clrMapOvr>
-</p:sld>
-</file>
-
-<file path=ppt/slides/slide30.xml><?xml version="1.0" encoding="utf-8"?>
-<p:sld xmlns:a="http://schemas.openxmlformats.org/drawingml/2006/main" xmlns:r="http://schemas.openxmlformats.org/officeDocument/2006/relationships" xmlns:p="http://schemas.openxmlformats.org/presentationml/2006/main">
-  <p:cSld>
-    <p:spTree>
-      <p:nvGrpSpPr>
-        <p:cNvPr id="1" name=""/>
-        <p:cNvGrpSpPr/>
-        <p:nvPr/>
-      </p:nvGrpSpPr>
-      <p:grpSpPr>
-        <a:xfrm>
-          <a:off x="0" y="0"/>
-          <a:ext cx="0" cy="0"/>
-          <a:chOff x="0" y="0"/>
-          <a:chExt cx="0" cy="0"/>
-        </a:xfrm>
-      </p:grpSpPr>
-      <p:sp>
-        <p:nvSpPr>
-          <p:cNvPr id="2" name="Title 1">
-            <a:extLst>
-              <a:ext uri="{FF2B5EF4-FFF2-40B4-BE49-F238E27FC236}">
                 <a16:creationId xmlns:a16="http://schemas.microsoft.com/office/drawing/2014/main" id="{D4CF3CF8-6E9B-4321-A06F-FABD1A649C80}"/>
               </a:ext>
             </a:extLst>
@@ -7432,7 +7741,7 @@
 </p:sld>
 </file>
 
-<file path=ppt/slides/slide31.xml><?xml version="1.0" encoding="utf-8"?>
+<file path=ppt/slides/slide33.xml><?xml version="1.0" encoding="utf-8"?>
 <p:sld xmlns:a="http://schemas.openxmlformats.org/drawingml/2006/main" xmlns:r="http://schemas.openxmlformats.org/officeDocument/2006/relationships" xmlns:p="http://schemas.openxmlformats.org/presentationml/2006/main">
   <p:cSld>
     <p:spTree>
@@ -7624,182 +7933,6 @@
 </p:sld>
 </file>
 
-<file path=ppt/slides/slide32.xml><?xml version="1.0" encoding="utf-8"?>
-<p:sld xmlns:a="http://schemas.openxmlformats.org/drawingml/2006/main" xmlns:r="http://schemas.openxmlformats.org/officeDocument/2006/relationships" xmlns:p="http://schemas.openxmlformats.org/presentationml/2006/main">
-  <p:cSld>
-    <p:spTree>
-      <p:nvGrpSpPr>
-        <p:cNvPr id="1" name=""/>
-        <p:cNvGrpSpPr/>
-        <p:nvPr/>
-      </p:nvGrpSpPr>
-      <p:grpSpPr>
-        <a:xfrm>
-          <a:off x="0" y="0"/>
-          <a:ext cx="0" cy="0"/>
-          <a:chOff x="0" y="0"/>
-          <a:chExt cx="0" cy="0"/>
-        </a:xfrm>
-      </p:grpSpPr>
-      <p:sp>
-        <p:nvSpPr>
-          <p:cNvPr id="2" name="Title 1">
-            <a:extLst>
-              <a:ext uri="{FF2B5EF4-FFF2-40B4-BE49-F238E27FC236}">
-                <a16:creationId xmlns:a16="http://schemas.microsoft.com/office/drawing/2014/main" id="{68D3D536-6B47-45D2-8245-7100C45CA967}"/>
-              </a:ext>
-            </a:extLst>
-          </p:cNvPr>
-          <p:cNvSpPr>
-            <a:spLocks noGrp="1"/>
-          </p:cNvSpPr>
-          <p:nvPr>
-            <p:ph type="title"/>
-          </p:nvPr>
-        </p:nvSpPr>
-        <p:spPr/>
-        <p:txBody>
-          <a:bodyPr/>
-          <a:lstStyle/>
-          <a:p>
-            <a:r>
-              <a:rPr lang="en-US" altLang="zh-TW" dirty="0"/>
-              <a:t>GIF animation</a:t>
-            </a:r>
-            <a:endParaRPr lang="zh-TW" altLang="en-US" dirty="0"/>
-          </a:p>
-        </p:txBody>
-      </p:sp>
-      <p:sp>
-        <p:nvSpPr>
-          <p:cNvPr id="7" name="Content Placeholder 6">
-            <a:extLst>
-              <a:ext uri="{FF2B5EF4-FFF2-40B4-BE49-F238E27FC236}">
-                <a16:creationId xmlns:a16="http://schemas.microsoft.com/office/drawing/2014/main" id="{DCF881D1-701D-419A-9D9F-2E978B60D86C}"/>
-              </a:ext>
-            </a:extLst>
-          </p:cNvPr>
-          <p:cNvSpPr>
-            <a:spLocks noGrp="1"/>
-          </p:cNvSpPr>
-          <p:nvPr>
-            <p:ph idx="1"/>
-          </p:nvPr>
-        </p:nvSpPr>
-        <p:spPr/>
-        <p:txBody>
-          <a:bodyPr/>
-          <a:lstStyle/>
-          <a:p>
-            <a:r>
-              <a:rPr lang="en-GB" altLang="zh-TW"/>
-              <a:t>https://en.wikipedia.org/wiki/Eight_queens_puzzle</a:t>
-            </a:r>
-            <a:endParaRPr lang="zh-TW" altLang="en-US" dirty="0"/>
-          </a:p>
-        </p:txBody>
-      </p:sp>
-    </p:spTree>
-    <p:extLst>
-      <p:ext uri="{BB962C8B-B14F-4D97-AF65-F5344CB8AC3E}">
-        <p14:creationId xmlns:p14="http://schemas.microsoft.com/office/powerpoint/2010/main" val="3852336212"/>
-      </p:ext>
-    </p:extLst>
-  </p:cSld>
-  <p:clrMapOvr>
-    <a:masterClrMapping/>
-  </p:clrMapOvr>
-</p:sld>
-</file>
-
-<file path=ppt/slides/slide33.xml><?xml version="1.0" encoding="utf-8"?>
-<p:sld xmlns:a="http://schemas.openxmlformats.org/drawingml/2006/main" xmlns:r="http://schemas.openxmlformats.org/officeDocument/2006/relationships" xmlns:p="http://schemas.openxmlformats.org/presentationml/2006/main">
-  <p:cSld>
-    <p:spTree>
-      <p:nvGrpSpPr>
-        <p:cNvPr id="1" name=""/>
-        <p:cNvGrpSpPr/>
-        <p:nvPr/>
-      </p:nvGrpSpPr>
-      <p:grpSpPr>
-        <a:xfrm>
-          <a:off x="0" y="0"/>
-          <a:ext cx="0" cy="0"/>
-          <a:chOff x="0" y="0"/>
-          <a:chExt cx="0" cy="0"/>
-        </a:xfrm>
-      </p:grpSpPr>
-      <p:sp>
-        <p:nvSpPr>
-          <p:cNvPr id="2" name="Title 1">
-            <a:extLst>
-              <a:ext uri="{FF2B5EF4-FFF2-40B4-BE49-F238E27FC236}">
-                <a16:creationId xmlns:a16="http://schemas.microsoft.com/office/drawing/2014/main" id="{4412316B-13D7-4727-A31B-BFA9A0F59104}"/>
-              </a:ext>
-            </a:extLst>
-          </p:cNvPr>
-          <p:cNvSpPr>
-            <a:spLocks noGrp="1"/>
-          </p:cNvSpPr>
-          <p:nvPr>
-            <p:ph type="title"/>
-          </p:nvPr>
-        </p:nvSpPr>
-        <p:spPr/>
-        <p:txBody>
-          <a:bodyPr/>
-          <a:lstStyle/>
-          <a:p>
-            <a:r>
-              <a:rPr lang="en-US" altLang="zh-TW" dirty="0"/>
-              <a:t>C++ implementation</a:t>
-            </a:r>
-            <a:endParaRPr lang="zh-TW" altLang="en-US" dirty="0"/>
-          </a:p>
-        </p:txBody>
-      </p:sp>
-      <p:sp>
-        <p:nvSpPr>
-          <p:cNvPr id="3" name="Content Placeholder 2">
-            <a:extLst>
-              <a:ext uri="{FF2B5EF4-FFF2-40B4-BE49-F238E27FC236}">
-                <a16:creationId xmlns:a16="http://schemas.microsoft.com/office/drawing/2014/main" id="{D69C10A3-CE06-4CEA-838E-4EE87C0BBAC4}"/>
-              </a:ext>
-            </a:extLst>
-          </p:cNvPr>
-          <p:cNvSpPr>
-            <a:spLocks noGrp="1"/>
-          </p:cNvSpPr>
-          <p:nvPr>
-            <p:ph idx="1"/>
-          </p:nvPr>
-        </p:nvSpPr>
-        <p:spPr/>
-        <p:txBody>
-          <a:bodyPr/>
-          <a:lstStyle/>
-          <a:p>
-            <a:r>
-              <a:rPr lang="en-US" altLang="zh-TW" dirty="0"/>
-              <a:t>Here, we are only interested in the number of solutions, not the configuration</a:t>
-            </a:r>
-            <a:endParaRPr lang="zh-TW" altLang="en-US" dirty="0"/>
-          </a:p>
-        </p:txBody>
-      </p:sp>
-    </p:spTree>
-    <p:extLst>
-      <p:ext uri="{BB962C8B-B14F-4D97-AF65-F5344CB8AC3E}">
-        <p14:creationId xmlns:p14="http://schemas.microsoft.com/office/powerpoint/2010/main" val="3992892450"/>
-      </p:ext>
-    </p:extLst>
-  </p:cSld>
-  <p:clrMapOvr>
-    <a:masterClrMapping/>
-  </p:clrMapOvr>
-</p:sld>
-</file>
-
 <file path=ppt/slides/slide34.xml><?xml version="1.0" encoding="utf-8"?>
 <p:sld xmlns:a="http://schemas.openxmlformats.org/drawingml/2006/main" xmlns:r="http://schemas.openxmlformats.org/officeDocument/2006/relationships" xmlns:p="http://schemas.openxmlformats.org/presentationml/2006/main">
   <p:cSld>
@@ -7822,6 +7955,182 @@
           <p:cNvPr id="2" name="Title 1">
             <a:extLst>
               <a:ext uri="{FF2B5EF4-FFF2-40B4-BE49-F238E27FC236}">
+                <a16:creationId xmlns:a16="http://schemas.microsoft.com/office/drawing/2014/main" id="{68D3D536-6B47-45D2-8245-7100C45CA967}"/>
+              </a:ext>
+            </a:extLst>
+          </p:cNvPr>
+          <p:cNvSpPr>
+            <a:spLocks noGrp="1"/>
+          </p:cNvSpPr>
+          <p:nvPr>
+            <p:ph type="title"/>
+          </p:nvPr>
+        </p:nvSpPr>
+        <p:spPr/>
+        <p:txBody>
+          <a:bodyPr/>
+          <a:lstStyle/>
+          <a:p>
+            <a:r>
+              <a:rPr lang="en-US" altLang="zh-TW" dirty="0"/>
+              <a:t>GIF animation</a:t>
+            </a:r>
+            <a:endParaRPr lang="zh-TW" altLang="en-US" dirty="0"/>
+          </a:p>
+        </p:txBody>
+      </p:sp>
+      <p:sp>
+        <p:nvSpPr>
+          <p:cNvPr id="7" name="Content Placeholder 6">
+            <a:extLst>
+              <a:ext uri="{FF2B5EF4-FFF2-40B4-BE49-F238E27FC236}">
+                <a16:creationId xmlns:a16="http://schemas.microsoft.com/office/drawing/2014/main" id="{DCF881D1-701D-419A-9D9F-2E978B60D86C}"/>
+              </a:ext>
+            </a:extLst>
+          </p:cNvPr>
+          <p:cNvSpPr>
+            <a:spLocks noGrp="1"/>
+          </p:cNvSpPr>
+          <p:nvPr>
+            <p:ph idx="1"/>
+          </p:nvPr>
+        </p:nvSpPr>
+        <p:spPr/>
+        <p:txBody>
+          <a:bodyPr/>
+          <a:lstStyle/>
+          <a:p>
+            <a:r>
+              <a:rPr lang="en-GB" altLang="zh-TW"/>
+              <a:t>https://en.wikipedia.org/wiki/Eight_queens_puzzle</a:t>
+            </a:r>
+            <a:endParaRPr lang="zh-TW" altLang="en-US" dirty="0"/>
+          </a:p>
+        </p:txBody>
+      </p:sp>
+    </p:spTree>
+    <p:extLst>
+      <p:ext uri="{BB962C8B-B14F-4D97-AF65-F5344CB8AC3E}">
+        <p14:creationId xmlns:p14="http://schemas.microsoft.com/office/powerpoint/2010/main" val="3852336212"/>
+      </p:ext>
+    </p:extLst>
+  </p:cSld>
+  <p:clrMapOvr>
+    <a:masterClrMapping/>
+  </p:clrMapOvr>
+</p:sld>
+</file>
+
+<file path=ppt/slides/slide35.xml><?xml version="1.0" encoding="utf-8"?>
+<p:sld xmlns:a="http://schemas.openxmlformats.org/drawingml/2006/main" xmlns:r="http://schemas.openxmlformats.org/officeDocument/2006/relationships" xmlns:p="http://schemas.openxmlformats.org/presentationml/2006/main">
+  <p:cSld>
+    <p:spTree>
+      <p:nvGrpSpPr>
+        <p:cNvPr id="1" name=""/>
+        <p:cNvGrpSpPr/>
+        <p:nvPr/>
+      </p:nvGrpSpPr>
+      <p:grpSpPr>
+        <a:xfrm>
+          <a:off x="0" y="0"/>
+          <a:ext cx="0" cy="0"/>
+          <a:chOff x="0" y="0"/>
+          <a:chExt cx="0" cy="0"/>
+        </a:xfrm>
+      </p:grpSpPr>
+      <p:sp>
+        <p:nvSpPr>
+          <p:cNvPr id="2" name="Title 1">
+            <a:extLst>
+              <a:ext uri="{FF2B5EF4-FFF2-40B4-BE49-F238E27FC236}">
+                <a16:creationId xmlns:a16="http://schemas.microsoft.com/office/drawing/2014/main" id="{4412316B-13D7-4727-A31B-BFA9A0F59104}"/>
+              </a:ext>
+            </a:extLst>
+          </p:cNvPr>
+          <p:cNvSpPr>
+            <a:spLocks noGrp="1"/>
+          </p:cNvSpPr>
+          <p:nvPr>
+            <p:ph type="title"/>
+          </p:nvPr>
+        </p:nvSpPr>
+        <p:spPr/>
+        <p:txBody>
+          <a:bodyPr/>
+          <a:lstStyle/>
+          <a:p>
+            <a:r>
+              <a:rPr lang="en-US" altLang="zh-TW" dirty="0"/>
+              <a:t>C++ implementation</a:t>
+            </a:r>
+            <a:endParaRPr lang="zh-TW" altLang="en-US" dirty="0"/>
+          </a:p>
+        </p:txBody>
+      </p:sp>
+      <p:sp>
+        <p:nvSpPr>
+          <p:cNvPr id="3" name="Content Placeholder 2">
+            <a:extLst>
+              <a:ext uri="{FF2B5EF4-FFF2-40B4-BE49-F238E27FC236}">
+                <a16:creationId xmlns:a16="http://schemas.microsoft.com/office/drawing/2014/main" id="{D69C10A3-CE06-4CEA-838E-4EE87C0BBAC4}"/>
+              </a:ext>
+            </a:extLst>
+          </p:cNvPr>
+          <p:cNvSpPr>
+            <a:spLocks noGrp="1"/>
+          </p:cNvSpPr>
+          <p:nvPr>
+            <p:ph idx="1"/>
+          </p:nvPr>
+        </p:nvSpPr>
+        <p:spPr/>
+        <p:txBody>
+          <a:bodyPr/>
+          <a:lstStyle/>
+          <a:p>
+            <a:r>
+              <a:rPr lang="en-US" altLang="zh-TW" dirty="0"/>
+              <a:t>Here, we are only interested in the number of solutions, not the configuration</a:t>
+            </a:r>
+            <a:endParaRPr lang="zh-TW" altLang="en-US" dirty="0"/>
+          </a:p>
+        </p:txBody>
+      </p:sp>
+    </p:spTree>
+    <p:extLst>
+      <p:ext uri="{BB962C8B-B14F-4D97-AF65-F5344CB8AC3E}">
+        <p14:creationId xmlns:p14="http://schemas.microsoft.com/office/powerpoint/2010/main" val="3992892450"/>
+      </p:ext>
+    </p:extLst>
+  </p:cSld>
+  <p:clrMapOvr>
+    <a:masterClrMapping/>
+  </p:clrMapOvr>
+</p:sld>
+</file>
+
+<file path=ppt/slides/slide36.xml><?xml version="1.0" encoding="utf-8"?>
+<p:sld xmlns:a="http://schemas.openxmlformats.org/drawingml/2006/main" xmlns:r="http://schemas.openxmlformats.org/officeDocument/2006/relationships" xmlns:p="http://schemas.openxmlformats.org/presentationml/2006/main">
+  <p:cSld>
+    <p:spTree>
+      <p:nvGrpSpPr>
+        <p:cNvPr id="1" name=""/>
+        <p:cNvGrpSpPr/>
+        <p:nvPr/>
+      </p:nvGrpSpPr>
+      <p:grpSpPr>
+        <a:xfrm>
+          <a:off x="0" y="0"/>
+          <a:ext cx="0" cy="0"/>
+          <a:chOff x="0" y="0"/>
+          <a:chExt cx="0" cy="0"/>
+        </a:xfrm>
+      </p:grpSpPr>
+      <p:sp>
+        <p:nvSpPr>
+          <p:cNvPr id="2" name="Title 1">
+            <a:extLst>
+              <a:ext uri="{FF2B5EF4-FFF2-40B4-BE49-F238E27FC236}">
                 <a16:creationId xmlns:a16="http://schemas.microsoft.com/office/drawing/2014/main" id="{05005659-87E4-47E2-B971-F2E5FC7A24A7}"/>
               </a:ext>
             </a:extLst>
@@ -7893,6 +8202,227 @@
 </file>
 
 <file path=ppt/slides/slide4.xml><?xml version="1.0" encoding="utf-8"?>
+<p:sld xmlns:a="http://schemas.openxmlformats.org/drawingml/2006/main" xmlns:r="http://schemas.openxmlformats.org/officeDocument/2006/relationships" xmlns:p="http://schemas.openxmlformats.org/presentationml/2006/main">
+  <p:cSld>
+    <p:spTree>
+      <p:nvGrpSpPr>
+        <p:cNvPr id="1" name=""/>
+        <p:cNvGrpSpPr/>
+        <p:nvPr/>
+      </p:nvGrpSpPr>
+      <p:grpSpPr>
+        <a:xfrm>
+          <a:off x="0" y="0"/>
+          <a:ext cx="0" cy="0"/>
+          <a:chOff x="0" y="0"/>
+          <a:chExt cx="0" cy="0"/>
+        </a:xfrm>
+      </p:grpSpPr>
+      <p:sp>
+        <p:nvSpPr>
+          <p:cNvPr id="2" name="Title 1">
+            <a:extLst>
+              <a:ext uri="{FF2B5EF4-FFF2-40B4-BE49-F238E27FC236}">
+                <a16:creationId xmlns:a16="http://schemas.microsoft.com/office/drawing/2014/main" id="{32605FFB-FCB0-4578-B384-1C28CA008EB3}"/>
+              </a:ext>
+            </a:extLst>
+          </p:cNvPr>
+          <p:cNvSpPr>
+            <a:spLocks noGrp="1"/>
+          </p:cNvSpPr>
+          <p:nvPr>
+            <p:ph type="title"/>
+          </p:nvPr>
+        </p:nvSpPr>
+        <p:spPr/>
+        <p:txBody>
+          <a:bodyPr/>
+          <a:lstStyle/>
+          <a:p>
+            <a:r>
+              <a:rPr lang="en-GB" altLang="zh-TW" dirty="0"/>
+              <a:t>Sum table</a:t>
+            </a:r>
+            <a:endParaRPr lang="zh-TW" altLang="en-US" dirty="0"/>
+          </a:p>
+        </p:txBody>
+      </p:sp>
+      <p:sp>
+        <p:nvSpPr>
+          <p:cNvPr id="3" name="Content Placeholder 2">
+            <a:extLst>
+              <a:ext uri="{FF2B5EF4-FFF2-40B4-BE49-F238E27FC236}">
+                <a16:creationId xmlns:a16="http://schemas.microsoft.com/office/drawing/2014/main" id="{573C9616-740D-48AE-9EAB-6E9E7D530929}"/>
+              </a:ext>
+            </a:extLst>
+          </p:cNvPr>
+          <p:cNvSpPr>
+            <a:spLocks noGrp="1"/>
+          </p:cNvSpPr>
+          <p:nvPr>
+            <p:ph idx="1"/>
+          </p:nvPr>
+        </p:nvSpPr>
+        <p:spPr/>
+        <p:txBody>
+          <a:bodyPr/>
+          <a:lstStyle/>
+          <a:p>
+            <a:r>
+              <a:rPr lang="en-GB" altLang="zh-TW" dirty="0"/>
+              <a:t>If there’s no operation of kind “add v balls to …”</a:t>
+            </a:r>
+          </a:p>
+          <a:p>
+            <a:r>
+              <a:rPr lang="en-GB" altLang="zh-TW" dirty="0"/>
+              <a:t>Can you think of an efficient way to get the sum of balls from a[l] to a[r]?</a:t>
+            </a:r>
+          </a:p>
+          <a:p>
+            <a:endParaRPr lang="zh-TW" altLang="en-US" dirty="0"/>
+          </a:p>
+        </p:txBody>
+      </p:sp>
+    </p:spTree>
+    <p:extLst>
+      <p:ext uri="{BB962C8B-B14F-4D97-AF65-F5344CB8AC3E}">
+        <p14:creationId xmlns:p14="http://schemas.microsoft.com/office/powerpoint/2010/main" val="379134192"/>
+      </p:ext>
+    </p:extLst>
+  </p:cSld>
+  <p:clrMapOvr>
+    <a:masterClrMapping/>
+  </p:clrMapOvr>
+</p:sld>
+</file>
+
+<file path=ppt/slides/slide5.xml><?xml version="1.0" encoding="utf-8"?>
+<p:sld xmlns:a="http://schemas.openxmlformats.org/drawingml/2006/main" xmlns:r="http://schemas.openxmlformats.org/officeDocument/2006/relationships" xmlns:p="http://schemas.openxmlformats.org/presentationml/2006/main">
+  <p:cSld>
+    <p:spTree>
+      <p:nvGrpSpPr>
+        <p:cNvPr id="1" name=""/>
+        <p:cNvGrpSpPr/>
+        <p:nvPr/>
+      </p:nvGrpSpPr>
+      <p:grpSpPr>
+        <a:xfrm>
+          <a:off x="0" y="0"/>
+          <a:ext cx="0" cy="0"/>
+          <a:chOff x="0" y="0"/>
+          <a:chExt cx="0" cy="0"/>
+        </a:xfrm>
+      </p:grpSpPr>
+      <p:sp>
+        <p:nvSpPr>
+          <p:cNvPr id="2" name="Title 1">
+            <a:extLst>
+              <a:ext uri="{FF2B5EF4-FFF2-40B4-BE49-F238E27FC236}">
+                <a16:creationId xmlns:a16="http://schemas.microsoft.com/office/drawing/2014/main" id="{C2E01D3E-F435-4A6B-A097-90FBF5A06E52}"/>
+              </a:ext>
+            </a:extLst>
+          </p:cNvPr>
+          <p:cNvSpPr>
+            <a:spLocks noGrp="1"/>
+          </p:cNvSpPr>
+          <p:nvPr>
+            <p:ph type="title"/>
+          </p:nvPr>
+        </p:nvSpPr>
+        <p:spPr/>
+        <p:txBody>
+          <a:bodyPr/>
+          <a:lstStyle/>
+          <a:p>
+            <a:r>
+              <a:rPr lang="en-GB" altLang="zh-TW" dirty="0"/>
+              <a:t>Sum table</a:t>
+            </a:r>
+            <a:endParaRPr lang="zh-TW" altLang="en-US" dirty="0"/>
+          </a:p>
+        </p:txBody>
+      </p:sp>
+      <p:sp>
+        <p:nvSpPr>
+          <p:cNvPr id="3" name="Content Placeholder 2">
+            <a:extLst>
+              <a:ext uri="{FF2B5EF4-FFF2-40B4-BE49-F238E27FC236}">
+                <a16:creationId xmlns:a16="http://schemas.microsoft.com/office/drawing/2014/main" id="{8FAE0E9E-618E-4953-99BE-7CF1569F74BC}"/>
+              </a:ext>
+            </a:extLst>
+          </p:cNvPr>
+          <p:cNvSpPr>
+            <a:spLocks noGrp="1"/>
+          </p:cNvSpPr>
+          <p:nvPr>
+            <p:ph idx="1"/>
+          </p:nvPr>
+        </p:nvSpPr>
+        <p:spPr/>
+        <p:txBody>
+          <a:bodyPr/>
+          <a:lstStyle/>
+          <a:p>
+            <a:r>
+              <a:rPr lang="en-GB" altLang="zh-TW" dirty="0"/>
+              <a:t>We store the cumulative sum in another array c,</a:t>
+            </a:r>
+          </a:p>
+          <a:p>
+            <a:r>
+              <a:rPr lang="en-GB" altLang="zh-TW" dirty="0"/>
+              <a:t>Where c[</a:t>
+            </a:r>
+            <a:r>
+              <a:rPr lang="en-GB" altLang="zh-TW" dirty="0" err="1"/>
+              <a:t>i</a:t>
+            </a:r>
+            <a:r>
+              <a:rPr lang="en-GB" altLang="zh-TW" dirty="0"/>
+              <a:t>] = sum a[1..i]</a:t>
+            </a:r>
+          </a:p>
+          <a:p>
+            <a:r>
+              <a:rPr lang="en-GB" altLang="zh-TW" dirty="0"/>
+              <a:t>Then the sum a[</a:t>
+            </a:r>
+            <a:r>
+              <a:rPr lang="en-GB" altLang="zh-TW" dirty="0" err="1"/>
+              <a:t>l..r</a:t>
+            </a:r>
+            <a:r>
+              <a:rPr lang="en-GB" altLang="zh-TW" dirty="0"/>
+              <a:t>] = c[r]-c[l-1]</a:t>
+            </a:r>
+          </a:p>
+          <a:p>
+            <a:endParaRPr lang="en-GB" altLang="zh-TW" dirty="0"/>
+          </a:p>
+          <a:p>
+            <a:r>
+              <a:rPr lang="en-GB" altLang="zh-TW" dirty="0"/>
+              <a:t>Complexity O(1)! (initialization costs O(N))</a:t>
+            </a:r>
+            <a:endParaRPr lang="zh-TW" altLang="en-US" dirty="0"/>
+          </a:p>
+        </p:txBody>
+      </p:sp>
+    </p:spTree>
+    <p:extLst>
+      <p:ext uri="{BB962C8B-B14F-4D97-AF65-F5344CB8AC3E}">
+        <p14:creationId xmlns:p14="http://schemas.microsoft.com/office/powerpoint/2010/main" val="2890830732"/>
+      </p:ext>
+    </p:extLst>
+  </p:cSld>
+  <p:clrMapOvr>
+    <a:masterClrMapping/>
+  </p:clrMapOvr>
+</p:sld>
+</file>
+
+<file path=ppt/slides/slide6.xml><?xml version="1.0" encoding="utf-8"?>
 <p:sld xmlns:a="http://schemas.openxmlformats.org/drawingml/2006/main" xmlns:r="http://schemas.openxmlformats.org/officeDocument/2006/relationships" xmlns:p="http://schemas.openxmlformats.org/presentationml/2006/main">
   <p:cSld>
     <p:spTree>
@@ -8126,7 +8656,7 @@
 </p:sld>
 </file>
 
-<file path=ppt/slides/slide5.xml><?xml version="1.0" encoding="utf-8"?>
+<file path=ppt/slides/slide7.xml><?xml version="1.0" encoding="utf-8"?>
 <p:sld xmlns:a="http://schemas.openxmlformats.org/drawingml/2006/main" xmlns:r="http://schemas.openxmlformats.org/officeDocument/2006/relationships" xmlns:p="http://schemas.openxmlformats.org/presentationml/2006/main">
   <p:cSld>
     <p:spTree>
@@ -8267,7 +8797,15 @@
             </a:r>
             <a:r>
               <a:rPr lang="en-GB" altLang="zh-TW" dirty="0"/>
-              <a:t>00 = 0, so tree[4] = a[1]+…a[4]</a:t>
+              <a:t>00 = 0, so tree[4] = a[</a:t>
+            </a:r>
+            <a:r>
+              <a:rPr lang="en-GB" altLang="zh-TW"/>
+              <a:t>1]+…+a</a:t>
+            </a:r>
+            <a:r>
+              <a:rPr lang="en-GB" altLang="zh-TW" dirty="0"/>
+              <a:t>[4]</a:t>
             </a:r>
           </a:p>
         </p:txBody>
@@ -8332,7 +8870,7 @@
 </p:sld>
 </file>
 
-<file path=ppt/slides/slide6.xml><?xml version="1.0" encoding="utf-8"?>
+<file path=ppt/slides/slide8.xml><?xml version="1.0" encoding="utf-8"?>
 <p:sld xmlns:a="http://schemas.openxmlformats.org/drawingml/2006/main" xmlns:r="http://schemas.openxmlformats.org/officeDocument/2006/relationships" xmlns:p="http://schemas.openxmlformats.org/presentationml/2006/main">
   <p:cSld>
     <p:spTree>
@@ -8519,7 +9057,7 @@
 </p:sld>
 </file>
 
-<file path=ppt/slides/slide7.xml><?xml version="1.0" encoding="utf-8"?>
+<file path=ppt/slides/slide9.xml><?xml version="1.0" encoding="utf-8"?>
 <p:sld xmlns:a="http://schemas.openxmlformats.org/drawingml/2006/main" xmlns:r="http://schemas.openxmlformats.org/officeDocument/2006/relationships" xmlns:p="http://schemas.openxmlformats.org/presentationml/2006/main">
   <p:cSld>
     <p:spTree>
@@ -8844,317 +9382,6 @@
     <p:extLst>
       <p:ext uri="{BB962C8B-B14F-4D97-AF65-F5344CB8AC3E}">
         <p14:creationId xmlns:p14="http://schemas.microsoft.com/office/powerpoint/2010/main" val="2603127036"/>
-      </p:ext>
-    </p:extLst>
-  </p:cSld>
-  <p:clrMapOvr>
-    <a:masterClrMapping/>
-  </p:clrMapOvr>
-</p:sld>
-</file>
-
-<file path=ppt/slides/slide8.xml><?xml version="1.0" encoding="utf-8"?>
-<p:sld xmlns:a="http://schemas.openxmlformats.org/drawingml/2006/main" xmlns:r="http://schemas.openxmlformats.org/officeDocument/2006/relationships" xmlns:p="http://schemas.openxmlformats.org/presentationml/2006/main">
-  <p:cSld>
-    <p:spTree>
-      <p:nvGrpSpPr>
-        <p:cNvPr id="1" name=""/>
-        <p:cNvGrpSpPr/>
-        <p:nvPr/>
-      </p:nvGrpSpPr>
-      <p:grpSpPr>
-        <a:xfrm>
-          <a:off x="0" y="0"/>
-          <a:ext cx="0" cy="0"/>
-          <a:chOff x="0" y="0"/>
-          <a:chExt cx="0" cy="0"/>
-        </a:xfrm>
-      </p:grpSpPr>
-      <p:sp>
-        <p:nvSpPr>
-          <p:cNvPr id="2" name="Title 1">
-            <a:extLst>
-              <a:ext uri="{FF2B5EF4-FFF2-40B4-BE49-F238E27FC236}">
-                <a16:creationId xmlns:a16="http://schemas.microsoft.com/office/drawing/2014/main" id="{5BECA981-4178-437C-92F0-20E4A54B93EE}"/>
-              </a:ext>
-            </a:extLst>
-          </p:cNvPr>
-          <p:cNvSpPr>
-            <a:spLocks noGrp="1"/>
-          </p:cNvSpPr>
-          <p:nvPr>
-            <p:ph type="title"/>
-          </p:nvPr>
-        </p:nvSpPr>
-        <p:spPr/>
-        <p:txBody>
-          <a:bodyPr/>
-          <a:lstStyle/>
-          <a:p>
-            <a:r>
-              <a:rPr lang="en-GB" altLang="zh-TW" dirty="0"/>
-              <a:t>The 1</a:t>
-            </a:r>
-            <a:r>
-              <a:rPr lang="en-GB" altLang="zh-TW" baseline="30000" dirty="0"/>
-              <a:t>st</a:t>
-            </a:r>
-            <a:r>
-              <a:rPr lang="en-GB" altLang="zh-TW" dirty="0"/>
-              <a:t> query : add v balls to a[</a:t>
-            </a:r>
-            <a:r>
-              <a:rPr lang="en-GB" altLang="zh-TW" dirty="0" err="1"/>
-              <a:t>i</a:t>
-            </a:r>
-            <a:r>
-              <a:rPr lang="en-GB" altLang="zh-TW" dirty="0"/>
-              <a:t>]</a:t>
-            </a:r>
-            <a:endParaRPr lang="zh-TW" altLang="en-US" dirty="0"/>
-          </a:p>
-        </p:txBody>
-      </p:sp>
-      <p:sp>
-        <p:nvSpPr>
-          <p:cNvPr id="3" name="Content Placeholder 2">
-            <a:extLst>
-              <a:ext uri="{FF2B5EF4-FFF2-40B4-BE49-F238E27FC236}">
-                <a16:creationId xmlns:a16="http://schemas.microsoft.com/office/drawing/2014/main" id="{966BB85E-CFD3-41DB-B842-72B36BD12C44}"/>
-              </a:ext>
-            </a:extLst>
-          </p:cNvPr>
-          <p:cNvSpPr>
-            <a:spLocks noGrp="1"/>
-          </p:cNvSpPr>
-          <p:nvPr>
-            <p:ph idx="1"/>
-          </p:nvPr>
-        </p:nvSpPr>
-        <p:spPr/>
-        <p:txBody>
-          <a:bodyPr/>
-          <a:lstStyle/>
-          <a:p>
-            <a:r>
-              <a:rPr lang="en-GB" altLang="zh-TW" dirty="0"/>
-              <a:t>Example : 5 = 101</a:t>
-            </a:r>
-          </a:p>
-          <a:p>
-            <a:r>
-              <a:rPr lang="en-GB" altLang="zh-TW" dirty="0"/>
-              <a:t>5 = 101</a:t>
-            </a:r>
-          </a:p>
-          <a:p>
-            <a:r>
-              <a:rPr lang="en-GB" altLang="zh-TW" dirty="0"/>
-              <a:t>6 = 110</a:t>
-            </a:r>
-          </a:p>
-          <a:p>
-            <a:r>
-              <a:rPr lang="en-GB" altLang="zh-TW" dirty="0"/>
-              <a:t>8 = 1000</a:t>
-            </a:r>
-          </a:p>
-          <a:p>
-            <a:r>
-              <a:rPr lang="en-GB" altLang="zh-TW" dirty="0"/>
-              <a:t>16 = 10000</a:t>
-            </a:r>
-          </a:p>
-          <a:p>
-            <a:r>
-              <a:rPr lang="en-GB" altLang="zh-TW" dirty="0"/>
-              <a:t>32 = 100000 (terminates here since 32&gt;N)</a:t>
-            </a:r>
-            <a:endParaRPr lang="zh-TW" altLang="en-US" dirty="0"/>
-          </a:p>
-          <a:p>
-            <a:endParaRPr lang="zh-TW" altLang="en-US" dirty="0"/>
-          </a:p>
-        </p:txBody>
-      </p:sp>
-      <p:pic>
-        <p:nvPicPr>
-          <p:cNvPr id="2052" name="Picture 4" descr="http://community.topcoder.com/i/education/binaryIndexedTrees/bitupdate.gif">
-            <a:extLst>
-              <a:ext uri="{FF2B5EF4-FFF2-40B4-BE49-F238E27FC236}">
-                <a16:creationId xmlns:a16="http://schemas.microsoft.com/office/drawing/2014/main" id="{B4F52FCD-3F48-40D0-8B06-271F4C84A8E4}"/>
-              </a:ext>
-            </a:extLst>
-          </p:cNvPr>
-          <p:cNvPicPr>
-            <a:picLocks noChangeAspect="1" noChangeArrowheads="1"/>
-          </p:cNvPicPr>
-          <p:nvPr/>
-        </p:nvPicPr>
-        <p:blipFill>
-          <a:blip r:embed="rId2">
-            <a:extLst>
-              <a:ext uri="{28A0092B-C50C-407E-A947-70E740481C1C}">
-                <a14:useLocalDpi xmlns:a14="http://schemas.microsoft.com/office/drawing/2010/main" val="0"/>
-              </a:ext>
-            </a:extLst>
-          </a:blip>
-          <a:srcRect/>
-          <a:stretch>
-            <a:fillRect/>
-          </a:stretch>
-        </p:blipFill>
-        <p:spPr bwMode="auto">
-          <a:xfrm>
-            <a:off x="8325974" y="365125"/>
-            <a:ext cx="2886075" cy="6143625"/>
-          </a:xfrm>
-          <a:prstGeom prst="rect">
-            <a:avLst/>
-          </a:prstGeom>
-          <a:noFill/>
-          <a:extLst>
-            <a:ext uri="{909E8E84-426E-40DD-AFC4-6F175D3DCCD1}">
-              <a14:hiddenFill xmlns:a14="http://schemas.microsoft.com/office/drawing/2010/main">
-                <a:solidFill>
-                  <a:srgbClr val="FFFFFF"/>
-                </a:solidFill>
-              </a14:hiddenFill>
-            </a:ext>
-          </a:extLst>
-        </p:spPr>
-      </p:pic>
-    </p:spTree>
-    <p:extLst>
-      <p:ext uri="{BB962C8B-B14F-4D97-AF65-F5344CB8AC3E}">
-        <p14:creationId xmlns:p14="http://schemas.microsoft.com/office/powerpoint/2010/main" val="377220740"/>
-      </p:ext>
-    </p:extLst>
-  </p:cSld>
-  <p:clrMapOvr>
-    <a:masterClrMapping/>
-  </p:clrMapOvr>
-</p:sld>
-</file>
-
-<file path=ppt/slides/slide9.xml><?xml version="1.0" encoding="utf-8"?>
-<p:sld xmlns:a="http://schemas.openxmlformats.org/drawingml/2006/main" xmlns:r="http://schemas.openxmlformats.org/officeDocument/2006/relationships" xmlns:p="http://schemas.openxmlformats.org/presentationml/2006/main">
-  <p:cSld>
-    <p:spTree>
-      <p:nvGrpSpPr>
-        <p:cNvPr id="1" name=""/>
-        <p:cNvGrpSpPr/>
-        <p:nvPr/>
-      </p:nvGrpSpPr>
-      <p:grpSpPr>
-        <a:xfrm>
-          <a:off x="0" y="0"/>
-          <a:ext cx="0" cy="0"/>
-          <a:chOff x="0" y="0"/>
-          <a:chExt cx="0" cy="0"/>
-        </a:xfrm>
-      </p:grpSpPr>
-      <p:sp>
-        <p:nvSpPr>
-          <p:cNvPr id="2" name="Title 1">
-            <a:extLst>
-              <a:ext uri="{FF2B5EF4-FFF2-40B4-BE49-F238E27FC236}">
-                <a16:creationId xmlns:a16="http://schemas.microsoft.com/office/drawing/2014/main" id="{2ABD7856-AFC8-48A2-A76F-F41C50319127}"/>
-              </a:ext>
-            </a:extLst>
-          </p:cNvPr>
-          <p:cNvSpPr>
-            <a:spLocks noGrp="1"/>
-          </p:cNvSpPr>
-          <p:nvPr>
-            <p:ph type="title"/>
-          </p:nvPr>
-        </p:nvSpPr>
-        <p:spPr/>
-        <p:txBody>
-          <a:bodyPr/>
-          <a:lstStyle/>
-          <a:p>
-            <a:r>
-              <a:rPr lang="en-GB" altLang="zh-TW" dirty="0"/>
-              <a:t>How to do this efficiently?</a:t>
-            </a:r>
-            <a:endParaRPr lang="zh-TW" altLang="en-US" dirty="0"/>
-          </a:p>
-        </p:txBody>
-      </p:sp>
-      <p:sp>
-        <p:nvSpPr>
-          <p:cNvPr id="3" name="Content Placeholder 2">
-            <a:extLst>
-              <a:ext uri="{FF2B5EF4-FFF2-40B4-BE49-F238E27FC236}">
-                <a16:creationId xmlns:a16="http://schemas.microsoft.com/office/drawing/2014/main" id="{B717F2F2-F769-4620-8D22-3F18C634BED3}"/>
-              </a:ext>
-            </a:extLst>
-          </p:cNvPr>
-          <p:cNvSpPr>
-            <a:spLocks noGrp="1"/>
-          </p:cNvSpPr>
-          <p:nvPr>
-            <p:ph idx="1"/>
-          </p:nvPr>
-        </p:nvSpPr>
-        <p:spPr/>
-        <p:txBody>
-          <a:bodyPr/>
-          <a:lstStyle/>
-          <a:p>
-            <a:r>
-              <a:rPr lang="en-GB" altLang="zh-TW" dirty="0"/>
-              <a:t>The question we frequently encountered…</a:t>
-            </a:r>
-          </a:p>
-          <a:p>
-            <a:r>
-              <a:rPr lang="en-GB" altLang="zh-TW" dirty="0"/>
-              <a:t>Compute </a:t>
-            </a:r>
-            <a:r>
-              <a:rPr lang="en-GB" altLang="zh-TW" b="1" dirty="0"/>
-              <a:t>r</a:t>
-            </a:r>
-            <a:r>
-              <a:rPr lang="en-GB" altLang="zh-TW" dirty="0"/>
-              <a:t>, the last digit of </a:t>
-            </a:r>
-            <a:r>
-              <a:rPr lang="en-GB" altLang="zh-TW" dirty="0" err="1"/>
-              <a:t>i</a:t>
-            </a:r>
-            <a:r>
-              <a:rPr lang="en-GB" altLang="zh-TW" dirty="0"/>
-              <a:t> that is 1.</a:t>
-            </a:r>
-          </a:p>
-          <a:p>
-            <a:endParaRPr lang="en-GB" altLang="zh-TW" dirty="0"/>
-          </a:p>
-          <a:p>
-            <a:r>
-              <a:rPr lang="en-GB" altLang="zh-TW" dirty="0"/>
-              <a:t>Let n be a number whose binary representation is </a:t>
-            </a:r>
-            <a:r>
-              <a:rPr lang="en-GB" altLang="zh-TW" b="1" dirty="0"/>
-              <a:t>a1b</a:t>
-            </a:r>
-            <a:r>
-              <a:rPr lang="en-GB" altLang="zh-TW" dirty="0"/>
-              <a:t>, where a represents the bits before the last non-zero digit and b=0...0 represents the 0-bits after the last non-zero digit</a:t>
-            </a:r>
-            <a:endParaRPr lang="zh-TW" altLang="en-US" b="1" dirty="0"/>
-          </a:p>
-        </p:txBody>
-      </p:sp>
-    </p:spTree>
-    <p:extLst>
-      <p:ext uri="{BB962C8B-B14F-4D97-AF65-F5344CB8AC3E}">
-        <p14:creationId xmlns:p14="http://schemas.microsoft.com/office/powerpoint/2010/main" val="1876551684"/>
       </p:ext>
     </p:extLst>
   </p:cSld>

--- a/9_Advanced.pptx
+++ b/9_Advanced.pptx
@@ -232,7 +232,7 @@
           <a:p>
             <a:fld id="{60358510-2F64-4650-AAC3-CDF1DBD5A4AD}" type="datetimeFigureOut">
               <a:rPr lang="zh-TW" altLang="en-US" smtClean="0"/>
-              <a:t>2018/3/4</a:t>
+              <a:t>2018/3/8</a:t>
             </a:fld>
             <a:endParaRPr lang="zh-TW" altLang="en-US"/>
           </a:p>
@@ -733,7 +733,7 @@
           <a:p>
             <a:fld id="{BE69AB16-A398-4B01-BC4D-15F9ACD529C5}" type="datetimeFigureOut">
               <a:rPr lang="zh-TW" altLang="en-US" smtClean="0"/>
-              <a:t>2018/3/4</a:t>
+              <a:t>2018/3/8</a:t>
             </a:fld>
             <a:endParaRPr lang="zh-TW" altLang="en-US"/>
           </a:p>
@@ -933,7 +933,7 @@
           <a:p>
             <a:fld id="{BE69AB16-A398-4B01-BC4D-15F9ACD529C5}" type="datetimeFigureOut">
               <a:rPr lang="zh-TW" altLang="en-US" smtClean="0"/>
-              <a:t>2018/3/4</a:t>
+              <a:t>2018/3/8</a:t>
             </a:fld>
             <a:endParaRPr lang="zh-TW" altLang="en-US"/>
           </a:p>
@@ -1143,7 +1143,7 @@
           <a:p>
             <a:fld id="{BE69AB16-A398-4B01-BC4D-15F9ACD529C5}" type="datetimeFigureOut">
               <a:rPr lang="zh-TW" altLang="en-US" smtClean="0"/>
-              <a:t>2018/3/4</a:t>
+              <a:t>2018/3/8</a:t>
             </a:fld>
             <a:endParaRPr lang="zh-TW" altLang="en-US"/>
           </a:p>
@@ -1343,7 +1343,7 @@
           <a:p>
             <a:fld id="{BE69AB16-A398-4B01-BC4D-15F9ACD529C5}" type="datetimeFigureOut">
               <a:rPr lang="zh-TW" altLang="en-US" smtClean="0"/>
-              <a:t>2018/3/4</a:t>
+              <a:t>2018/3/8</a:t>
             </a:fld>
             <a:endParaRPr lang="zh-TW" altLang="en-US"/>
           </a:p>
@@ -1619,7 +1619,7 @@
           <a:p>
             <a:fld id="{BE69AB16-A398-4B01-BC4D-15F9ACD529C5}" type="datetimeFigureOut">
               <a:rPr lang="zh-TW" altLang="en-US" smtClean="0"/>
-              <a:t>2018/3/4</a:t>
+              <a:t>2018/3/8</a:t>
             </a:fld>
             <a:endParaRPr lang="zh-TW" altLang="en-US"/>
           </a:p>
@@ -1887,7 +1887,7 @@
           <a:p>
             <a:fld id="{BE69AB16-A398-4B01-BC4D-15F9ACD529C5}" type="datetimeFigureOut">
               <a:rPr lang="zh-TW" altLang="en-US" smtClean="0"/>
-              <a:t>2018/3/4</a:t>
+              <a:t>2018/3/8</a:t>
             </a:fld>
             <a:endParaRPr lang="zh-TW" altLang="en-US"/>
           </a:p>
@@ -2302,7 +2302,7 @@
           <a:p>
             <a:fld id="{BE69AB16-A398-4B01-BC4D-15F9ACD529C5}" type="datetimeFigureOut">
               <a:rPr lang="zh-TW" altLang="en-US" smtClean="0"/>
-              <a:t>2018/3/4</a:t>
+              <a:t>2018/3/8</a:t>
             </a:fld>
             <a:endParaRPr lang="zh-TW" altLang="en-US"/>
           </a:p>
@@ -2444,7 +2444,7 @@
           <a:p>
             <a:fld id="{BE69AB16-A398-4B01-BC4D-15F9ACD529C5}" type="datetimeFigureOut">
               <a:rPr lang="zh-TW" altLang="en-US" smtClean="0"/>
-              <a:t>2018/3/4</a:t>
+              <a:t>2018/3/8</a:t>
             </a:fld>
             <a:endParaRPr lang="zh-TW" altLang="en-US"/>
           </a:p>
@@ -2557,7 +2557,7 @@
           <a:p>
             <a:fld id="{BE69AB16-A398-4B01-BC4D-15F9ACD529C5}" type="datetimeFigureOut">
               <a:rPr lang="zh-TW" altLang="en-US" smtClean="0"/>
-              <a:t>2018/3/4</a:t>
+              <a:t>2018/3/8</a:t>
             </a:fld>
             <a:endParaRPr lang="zh-TW" altLang="en-US"/>
           </a:p>
@@ -2870,7 +2870,7 @@
           <a:p>
             <a:fld id="{BE69AB16-A398-4B01-BC4D-15F9ACD529C5}" type="datetimeFigureOut">
               <a:rPr lang="zh-TW" altLang="en-US" smtClean="0"/>
-              <a:t>2018/3/4</a:t>
+              <a:t>2018/3/8</a:t>
             </a:fld>
             <a:endParaRPr lang="zh-TW" altLang="en-US"/>
           </a:p>
@@ -3159,7 +3159,7 @@
           <a:p>
             <a:fld id="{BE69AB16-A398-4B01-BC4D-15F9ACD529C5}" type="datetimeFigureOut">
               <a:rPr lang="zh-TW" altLang="en-US" smtClean="0"/>
-              <a:t>2018/3/4</a:t>
+              <a:t>2018/3/8</a:t>
             </a:fld>
             <a:endParaRPr lang="zh-TW" altLang="en-US"/>
           </a:p>
@@ -3402,7 +3402,7 @@
           <a:p>
             <a:fld id="{BE69AB16-A398-4B01-BC4D-15F9ACD529C5}" type="datetimeFigureOut">
               <a:rPr lang="zh-TW" altLang="en-US" smtClean="0"/>
-              <a:t>2018/3/4</a:t>
+              <a:t>2018/3/8</a:t>
             </a:fld>
             <a:endParaRPr lang="zh-TW" altLang="en-US"/>
           </a:p>
@@ -5365,8 +5365,8 @@
           </a:p>
         </p:txBody>
       </p:sp>
-      <mc:AlternateContent xmlns:mc="http://schemas.openxmlformats.org/markup-compatibility/2006" xmlns:a14="http://schemas.microsoft.com/office/drawing/2010/main">
-        <mc:Choice Requires="a14">
+      <mc:AlternateContent xmlns:mc="http://schemas.openxmlformats.org/markup-compatibility/2006">
+        <mc:Choice xmlns:a14="http://schemas.microsoft.com/office/drawing/2010/main" Requires="a14">
           <p:sp>
             <p:nvSpPr>
               <p:cNvPr id="3" name="Content Placeholder 2">
@@ -5385,8 +5385,31 @@
             </p:nvSpPr>
             <p:spPr/>
             <p:txBody>
-              <a:bodyPr/>
+              <a:bodyPr>
+                <a:normAutofit lnSpcReduction="10000"/>
+              </a:bodyPr>
               <a:lstStyle/>
+              <a:p>
+                <a:r>
+                  <a:rPr lang="en-GB" altLang="zh-TW" dirty="0" err="1"/>
+                  <a:t>Constuction</a:t>
+                </a:r>
+                <a:r>
+                  <a:rPr lang="en-GB" altLang="zh-TW" dirty="0"/>
+                  <a:t> : O(</a:t>
+                </a:r>
+                <a:r>
+                  <a:rPr lang="en-GB" altLang="zh-TW" dirty="0" err="1"/>
+                  <a:t>NlogN</a:t>
+                </a:r>
+                <a:r>
+                  <a:rPr lang="en-GB" altLang="zh-TW" dirty="0"/>
+                  <a:t>)</a:t>
+                </a:r>
+              </a:p>
+              <a:p>
+                <a:endParaRPr lang="en-GB" altLang="zh-TW" dirty="0"/>
+              </a:p>
               <a:p>
                 <a:r>
                   <a:rPr lang="en-GB" altLang="zh-TW" dirty="0"/>
@@ -5508,7 +5531,7 @@
             </p:txBody>
           </p:sp>
         </mc:Choice>
-        <mc:Fallback xmlns="">
+        <mc:Fallback>
           <p:sp>
             <p:nvSpPr>
               <p:cNvPr id="3" name="Content Placeholder 2">
@@ -5529,7 +5552,7 @@
               <a:blipFill>
                 <a:blip r:embed="rId2"/>
                 <a:stretch>
-                  <a:fillRect l="-1043" t="-2241"/>
+                  <a:fillRect l="-1043" t="-3081" b="-280"/>
                 </a:stretch>
               </a:blipFill>
             </p:spPr>
@@ -6867,6 +6890,23 @@
         <p:txBody>
           <a:bodyPr/>
           <a:lstStyle/>
+          <a:p>
+            <a:r>
+              <a:rPr lang="en-GB" altLang="zh-TW" dirty="0"/>
+              <a:t>Construction : O(</a:t>
+            </a:r>
+            <a:r>
+              <a:rPr lang="en-GB" altLang="zh-TW" dirty="0" err="1"/>
+              <a:t>NlogN</a:t>
+            </a:r>
+            <a:r>
+              <a:rPr lang="en-GB" altLang="zh-TW" dirty="0"/>
+              <a:t>)</a:t>
+            </a:r>
+          </a:p>
+          <a:p>
+            <a:endParaRPr lang="en-GB" altLang="zh-TW" dirty="0"/>
+          </a:p>
           <a:p>
             <a:r>
               <a:rPr lang="en-GB" altLang="zh-TW" dirty="0"/>
